--- a/WJ_250703_1544.pptx
+++ b/WJ_250703_1544.pptx
@@ -3423,9 +3423,6 @@
                 <a:solidFill>
                   <a:srgbClr val="0000FF"/>
                 </a:solidFill>
-                <a:highlight>
-                  <a:srgbClr val="FFFFFF"/>
-                </a:highlight>
                 <a:latin typeface="돋움체" panose="020B0609000101010101" pitchFamily="49" charset="-127"/>
                 <a:ea typeface="돋움체" panose="020B0609000101010101" pitchFamily="49" charset="-127"/>
               </a:rPr>
@@ -3436,9 +3433,6 @@
                 <a:solidFill>
                   <a:srgbClr val="000000"/>
                 </a:solidFill>
-                <a:highlight>
-                  <a:srgbClr val="FFFFFF"/>
-                </a:highlight>
                 <a:latin typeface="돋움체" panose="020B0609000101010101" pitchFamily="49" charset="-127"/>
                 <a:ea typeface="돋움체" panose="020B0609000101010101" pitchFamily="49" charset="-127"/>
               </a:rPr>
@@ -3449,9 +3443,6 @@
                 <a:solidFill>
                   <a:srgbClr val="0000FF"/>
                 </a:solidFill>
-                <a:highlight>
-                  <a:srgbClr val="FFFFFF"/>
-                </a:highlight>
                 <a:latin typeface="돋움체" panose="020B0609000101010101" pitchFamily="49" charset="-127"/>
                 <a:ea typeface="돋움체" panose="020B0609000101010101" pitchFamily="49" charset="-127"/>
               </a:rPr>
@@ -3462,9 +3453,6 @@
                 <a:solidFill>
                   <a:srgbClr val="000000"/>
                 </a:solidFill>
-                <a:highlight>
-                  <a:srgbClr val="FFFFFF"/>
-                </a:highlight>
                 <a:latin typeface="돋움체" panose="020B0609000101010101" pitchFamily="49" charset="-127"/>
                 <a:ea typeface="돋움체" panose="020B0609000101010101" pitchFamily="49" charset="-127"/>
               </a:rPr>
@@ -3475,9 +3463,6 @@
                 <a:solidFill>
                   <a:srgbClr val="0000FF"/>
                 </a:solidFill>
-                <a:highlight>
-                  <a:srgbClr val="FFFFFF"/>
-                </a:highlight>
                 <a:latin typeface="돋움체" panose="020B0609000101010101" pitchFamily="49" charset="-127"/>
                 <a:ea typeface="돋움체" panose="020B0609000101010101" pitchFamily="49" charset="-127"/>
               </a:rPr>
@@ -3488,9 +3473,6 @@
                 <a:solidFill>
                   <a:srgbClr val="000000"/>
                 </a:solidFill>
-                <a:highlight>
-                  <a:srgbClr val="FFFFFF"/>
-                </a:highlight>
                 <a:latin typeface="돋움체" panose="020B0609000101010101" pitchFamily="49" charset="-127"/>
                 <a:ea typeface="돋움체" panose="020B0609000101010101" pitchFamily="49" charset="-127"/>
               </a:rPr>
@@ -3503,9 +3485,6 @@
                 <a:solidFill>
                   <a:srgbClr val="000000"/>
                 </a:solidFill>
-                <a:highlight>
-                  <a:srgbClr val="FFFFFF"/>
-                </a:highlight>
                 <a:latin typeface="돋움체" panose="020B0609000101010101" pitchFamily="49" charset="-127"/>
                 <a:ea typeface="돋움체" panose="020B0609000101010101" pitchFamily="49" charset="-127"/>
               </a:rPr>
@@ -3518,9 +3497,6 @@
                 <a:solidFill>
                   <a:srgbClr val="000000"/>
                 </a:solidFill>
-                <a:highlight>
-                  <a:srgbClr val="FFFFFF"/>
-                </a:highlight>
                 <a:latin typeface="돋움체" panose="020B0609000101010101" pitchFamily="49" charset="-127"/>
                 <a:ea typeface="돋움체" panose="020B0609000101010101" pitchFamily="49" charset="-127"/>
               </a:rPr>
@@ -3531,9 +3507,6 @@
                 <a:solidFill>
                   <a:srgbClr val="000000"/>
                 </a:solidFill>
-                <a:highlight>
-                  <a:srgbClr val="FFFFFF"/>
-                </a:highlight>
                 <a:latin typeface="돋움체" panose="020B0609000101010101" pitchFamily="49" charset="-127"/>
                 <a:ea typeface="돋움체" panose="020B0609000101010101" pitchFamily="49" charset="-127"/>
               </a:rPr>
@@ -3544,9 +3517,6 @@
                 <a:solidFill>
                   <a:srgbClr val="000000"/>
                 </a:solidFill>
-                <a:highlight>
-                  <a:srgbClr val="FFFFFF"/>
-                </a:highlight>
                 <a:latin typeface="돋움체" panose="020B0609000101010101" pitchFamily="49" charset="-127"/>
                 <a:ea typeface="돋움체" panose="020B0609000101010101" pitchFamily="49" charset="-127"/>
               </a:rPr>
@@ -3557,9 +3527,6 @@
                 <a:solidFill>
                   <a:srgbClr val="000000"/>
                 </a:solidFill>
-                <a:highlight>
-                  <a:srgbClr val="FFFFFF"/>
-                </a:highlight>
                 <a:latin typeface="돋움체" panose="020B0609000101010101" pitchFamily="49" charset="-127"/>
                 <a:ea typeface="돋움체" panose="020B0609000101010101" pitchFamily="49" charset="-127"/>
               </a:rPr>
@@ -3570,9 +3537,6 @@
                 <a:solidFill>
                   <a:srgbClr val="000000"/>
                 </a:solidFill>
-                <a:highlight>
-                  <a:srgbClr val="FFFFFF"/>
-                </a:highlight>
                 <a:latin typeface="돋움체" panose="020B0609000101010101" pitchFamily="49" charset="-127"/>
                 <a:ea typeface="돋움체" panose="020B0609000101010101" pitchFamily="49" charset="-127"/>
               </a:rPr>
@@ -3583,9 +3547,6 @@
                 <a:solidFill>
                   <a:srgbClr val="000000"/>
                 </a:solidFill>
-                <a:highlight>
-                  <a:srgbClr val="FFFFFF"/>
-                </a:highlight>
                 <a:latin typeface="돋움체" panose="020B0609000101010101" pitchFamily="49" charset="-127"/>
                 <a:ea typeface="돋움체" panose="020B0609000101010101" pitchFamily="49" charset="-127"/>
               </a:rPr>
@@ -3596,9 +3557,6 @@
                 <a:solidFill>
                   <a:srgbClr val="000000"/>
                 </a:solidFill>
-                <a:highlight>
-                  <a:srgbClr val="FFFFFF"/>
-                </a:highlight>
                 <a:latin typeface="돋움체" panose="020B0609000101010101" pitchFamily="49" charset="-127"/>
                 <a:ea typeface="돋움체" panose="020B0609000101010101" pitchFamily="49" charset="-127"/>
               </a:rPr>
@@ -3611,9 +3569,6 @@
                 <a:solidFill>
                   <a:srgbClr val="000000"/>
                 </a:solidFill>
-                <a:highlight>
-                  <a:srgbClr val="FFFFFF"/>
-                </a:highlight>
                 <a:latin typeface="돋움체" panose="020B0609000101010101" pitchFamily="49" charset="-127"/>
                 <a:ea typeface="돋움체" panose="020B0609000101010101" pitchFamily="49" charset="-127"/>
               </a:rPr>
@@ -3626,9 +3581,6 @@
                 <a:solidFill>
                   <a:srgbClr val="0000FF"/>
                 </a:solidFill>
-                <a:highlight>
-                  <a:srgbClr val="FFFFFF"/>
-                </a:highlight>
                 <a:latin typeface="돋움체" panose="020B0609000101010101" pitchFamily="49" charset="-127"/>
                 <a:ea typeface="돋움체" panose="020B0609000101010101" pitchFamily="49" charset="-127"/>
               </a:rPr>
@@ -3639,9 +3591,6 @@
                 <a:solidFill>
                   <a:srgbClr val="000000"/>
                 </a:solidFill>
-                <a:highlight>
-                  <a:srgbClr val="FFFFFF"/>
-                </a:highlight>
                 <a:latin typeface="돋움체" panose="020B0609000101010101" pitchFamily="49" charset="-127"/>
                 <a:ea typeface="돋움체" panose="020B0609000101010101" pitchFamily="49" charset="-127"/>
               </a:rPr>
@@ -3652,9 +3601,6 @@
                 <a:solidFill>
                   <a:srgbClr val="0000FF"/>
                 </a:solidFill>
-                <a:highlight>
-                  <a:srgbClr val="FFFFFF"/>
-                </a:highlight>
                 <a:latin typeface="돋움체" panose="020B0609000101010101" pitchFamily="49" charset="-127"/>
                 <a:ea typeface="돋움체" panose="020B0609000101010101" pitchFamily="49" charset="-127"/>
               </a:rPr>
@@ -3665,9 +3611,6 @@
                 <a:solidFill>
                   <a:srgbClr val="000000"/>
                 </a:solidFill>
-                <a:highlight>
-                  <a:srgbClr val="FFFFFF"/>
-                </a:highlight>
                 <a:latin typeface="돋움체" panose="020B0609000101010101" pitchFamily="49" charset="-127"/>
                 <a:ea typeface="돋움체" panose="020B0609000101010101" pitchFamily="49" charset="-127"/>
               </a:rPr>
@@ -3680,9 +3623,6 @@
                 <a:solidFill>
                   <a:srgbClr val="000000"/>
                 </a:solidFill>
-                <a:highlight>
-                  <a:srgbClr val="FFFFFF"/>
-                </a:highlight>
                 <a:latin typeface="돋움체" panose="020B0609000101010101" pitchFamily="49" charset="-127"/>
                 <a:ea typeface="돋움체" panose="020B0609000101010101" pitchFamily="49" charset="-127"/>
               </a:rPr>
@@ -3695,9 +3635,6 @@
                 <a:solidFill>
                   <a:srgbClr val="000000"/>
                 </a:solidFill>
-                <a:highlight>
-                  <a:srgbClr val="FFFFFF"/>
-                </a:highlight>
                 <a:latin typeface="돋움체" panose="020B0609000101010101" pitchFamily="49" charset="-127"/>
                 <a:ea typeface="돋움체" panose="020B0609000101010101" pitchFamily="49" charset="-127"/>
               </a:rPr>
@@ -3708,9 +3645,6 @@
                 <a:solidFill>
                   <a:srgbClr val="0000FF"/>
                 </a:solidFill>
-                <a:highlight>
-                  <a:srgbClr val="FFFFFF"/>
-                </a:highlight>
                 <a:latin typeface="돋움체" panose="020B0609000101010101" pitchFamily="49" charset="-127"/>
                 <a:ea typeface="돋움체" panose="020B0609000101010101" pitchFamily="49" charset="-127"/>
               </a:rPr>
@@ -3721,9 +3655,6 @@
                 <a:solidFill>
                   <a:srgbClr val="000000"/>
                 </a:solidFill>
-                <a:highlight>
-                  <a:srgbClr val="FFFFFF"/>
-                </a:highlight>
                 <a:latin typeface="돋움체" panose="020B0609000101010101" pitchFamily="49" charset="-127"/>
                 <a:ea typeface="돋움체" panose="020B0609000101010101" pitchFamily="49" charset="-127"/>
               </a:rPr>
@@ -3734,9 +3665,6 @@
                 <a:solidFill>
                   <a:srgbClr val="000000"/>
                 </a:solidFill>
-                <a:highlight>
-                  <a:srgbClr val="FFFFFF"/>
-                </a:highlight>
                 <a:latin typeface="돋움체" panose="020B0609000101010101" pitchFamily="49" charset="-127"/>
                 <a:ea typeface="돋움체" panose="020B0609000101010101" pitchFamily="49" charset="-127"/>
               </a:rPr>
@@ -3747,9 +3675,6 @@
                 <a:solidFill>
                   <a:srgbClr val="000000"/>
                 </a:solidFill>
-                <a:highlight>
-                  <a:srgbClr val="FFFFFF"/>
-                </a:highlight>
                 <a:latin typeface="돋움체" panose="020B0609000101010101" pitchFamily="49" charset="-127"/>
                 <a:ea typeface="돋움체" panose="020B0609000101010101" pitchFamily="49" charset="-127"/>
               </a:rPr>
@@ -3762,9 +3687,6 @@
                 <a:solidFill>
                   <a:srgbClr val="000000"/>
                 </a:solidFill>
-                <a:highlight>
-                  <a:srgbClr val="FFFFFF"/>
-                </a:highlight>
                 <a:latin typeface="돋움체" panose="020B0609000101010101" pitchFamily="49" charset="-127"/>
                 <a:ea typeface="돋움체" panose="020B0609000101010101" pitchFamily="49" charset="-127"/>
               </a:rPr>
@@ -3775,9 +3697,6 @@
                 <a:solidFill>
                   <a:srgbClr val="0000FF"/>
                 </a:solidFill>
-                <a:highlight>
-                  <a:srgbClr val="FFFFFF"/>
-                </a:highlight>
                 <a:latin typeface="돋움체" panose="020B0609000101010101" pitchFamily="49" charset="-127"/>
                 <a:ea typeface="돋움체" panose="020B0609000101010101" pitchFamily="49" charset="-127"/>
               </a:rPr>
@@ -3788,9 +3707,6 @@
                 <a:solidFill>
                   <a:srgbClr val="000000"/>
                 </a:solidFill>
-                <a:highlight>
-                  <a:srgbClr val="FFFFFF"/>
-                </a:highlight>
                 <a:latin typeface="돋움체" panose="020B0609000101010101" pitchFamily="49" charset="-127"/>
                 <a:ea typeface="돋움체" panose="020B0609000101010101" pitchFamily="49" charset="-127"/>
               </a:rPr>
@@ -3801,9 +3717,6 @@
                 <a:solidFill>
                   <a:srgbClr val="0000FF"/>
                 </a:solidFill>
-                <a:highlight>
-                  <a:srgbClr val="FFFFFF"/>
-                </a:highlight>
                 <a:latin typeface="돋움체" panose="020B0609000101010101" pitchFamily="49" charset="-127"/>
                 <a:ea typeface="돋움체" panose="020B0609000101010101" pitchFamily="49" charset="-127"/>
               </a:rPr>
@@ -3814,9 +3727,6 @@
                 <a:solidFill>
                   <a:srgbClr val="000000"/>
                 </a:solidFill>
-                <a:highlight>
-                  <a:srgbClr val="FFFFFF"/>
-                </a:highlight>
                 <a:latin typeface="돋움체" panose="020B0609000101010101" pitchFamily="49" charset="-127"/>
                 <a:ea typeface="돋움체" panose="020B0609000101010101" pitchFamily="49" charset="-127"/>
               </a:rPr>
@@ -3829,9 +3739,6 @@
                 <a:solidFill>
                   <a:srgbClr val="000000"/>
                 </a:solidFill>
-                <a:highlight>
-                  <a:srgbClr val="FFFFFF"/>
-                </a:highlight>
                 <a:latin typeface="돋움체" panose="020B0609000101010101" pitchFamily="49" charset="-127"/>
                 <a:ea typeface="돋움체" panose="020B0609000101010101" pitchFamily="49" charset="-127"/>
               </a:rPr>
@@ -3842,9 +3749,6 @@
                 <a:solidFill>
                   <a:srgbClr val="000000"/>
                 </a:solidFill>
-                <a:highlight>
-                  <a:srgbClr val="FFFFFF"/>
-                </a:highlight>
                 <a:latin typeface="돋움체" panose="020B0609000101010101" pitchFamily="49" charset="-127"/>
                 <a:ea typeface="돋움체" panose="020B0609000101010101" pitchFamily="49" charset="-127"/>
               </a:rPr>
@@ -3857,9 +3761,6 @@
                 <a:solidFill>
                   <a:srgbClr val="000000"/>
                 </a:solidFill>
-                <a:highlight>
-                  <a:srgbClr val="FFFFFF"/>
-                </a:highlight>
                 <a:latin typeface="돋움체" panose="020B0609000101010101" pitchFamily="49" charset="-127"/>
                 <a:ea typeface="돋움체" panose="020B0609000101010101" pitchFamily="49" charset="-127"/>
               </a:rPr>
@@ -3870,9 +3771,6 @@
                 <a:solidFill>
                   <a:srgbClr val="0000FF"/>
                 </a:solidFill>
-                <a:highlight>
-                  <a:srgbClr val="FFFFFF"/>
-                </a:highlight>
                 <a:latin typeface="돋움체" panose="020B0609000101010101" pitchFamily="49" charset="-127"/>
                 <a:ea typeface="돋움체" panose="020B0609000101010101" pitchFamily="49" charset="-127"/>
               </a:rPr>
@@ -3883,9 +3781,6 @@
                 <a:solidFill>
                   <a:srgbClr val="000000"/>
                 </a:solidFill>
-                <a:highlight>
-                  <a:srgbClr val="FFFFFF"/>
-                </a:highlight>
                 <a:latin typeface="돋움체" panose="020B0609000101010101" pitchFamily="49" charset="-127"/>
                 <a:ea typeface="돋움체" panose="020B0609000101010101" pitchFamily="49" charset="-127"/>
               </a:rPr>
@@ -3896,9 +3791,6 @@
                 <a:solidFill>
                   <a:srgbClr val="000000"/>
                 </a:solidFill>
-                <a:highlight>
-                  <a:srgbClr val="FFFFFF"/>
-                </a:highlight>
                 <a:latin typeface="돋움체" panose="020B0609000101010101" pitchFamily="49" charset="-127"/>
                 <a:ea typeface="돋움체" panose="020B0609000101010101" pitchFamily="49" charset="-127"/>
               </a:rPr>
@@ -3909,9 +3801,6 @@
                 <a:solidFill>
                   <a:srgbClr val="2B91AF"/>
                 </a:solidFill>
-                <a:highlight>
-                  <a:srgbClr val="FFFFFF"/>
-                </a:highlight>
                 <a:latin typeface="돋움체" panose="020B0609000101010101" pitchFamily="49" charset="-127"/>
                 <a:ea typeface="돋움체" panose="020B0609000101010101" pitchFamily="49" charset="-127"/>
               </a:rPr>
@@ -3922,9 +3811,6 @@
                 <a:solidFill>
                   <a:srgbClr val="000000"/>
                 </a:solidFill>
-                <a:highlight>
-                  <a:srgbClr val="FFFFFF"/>
-                </a:highlight>
                 <a:latin typeface="돋움체" panose="020B0609000101010101" pitchFamily="49" charset="-127"/>
                 <a:ea typeface="돋움체" panose="020B0609000101010101" pitchFamily="49" charset="-127"/>
               </a:rPr>
@@ -3935,9 +3821,6 @@
                 <a:solidFill>
                   <a:srgbClr val="000000"/>
                 </a:solidFill>
-                <a:highlight>
-                  <a:srgbClr val="FFFFFF"/>
-                </a:highlight>
                 <a:latin typeface="돋움체" panose="020B0609000101010101" pitchFamily="49" charset="-127"/>
                 <a:ea typeface="돋움체" panose="020B0609000101010101" pitchFamily="49" charset="-127"/>
               </a:rPr>
@@ -3948,9 +3831,6 @@
                 <a:solidFill>
                   <a:srgbClr val="000000"/>
                 </a:solidFill>
-                <a:highlight>
-                  <a:srgbClr val="FFFFFF"/>
-                </a:highlight>
                 <a:latin typeface="돋움체" panose="020B0609000101010101" pitchFamily="49" charset="-127"/>
                 <a:ea typeface="돋움체" panose="020B0609000101010101" pitchFamily="49" charset="-127"/>
               </a:rPr>
@@ -3961,9 +3841,6 @@
                 <a:solidFill>
                   <a:srgbClr val="000000"/>
                 </a:solidFill>
-                <a:highlight>
-                  <a:srgbClr val="FFFFFF"/>
-                </a:highlight>
                 <a:latin typeface="돋움체" panose="020B0609000101010101" pitchFamily="49" charset="-127"/>
                 <a:ea typeface="돋움체" panose="020B0609000101010101" pitchFamily="49" charset="-127"/>
               </a:rPr>
@@ -3976,9 +3853,6 @@
                 <a:solidFill>
                   <a:srgbClr val="000000"/>
                 </a:solidFill>
-                <a:highlight>
-                  <a:srgbClr val="FFFFFF"/>
-                </a:highlight>
                 <a:latin typeface="돋움체" panose="020B0609000101010101" pitchFamily="49" charset="-127"/>
                 <a:ea typeface="돋움체" panose="020B0609000101010101" pitchFamily="49" charset="-127"/>
               </a:rPr>
@@ -3989,9 +3863,6 @@
                 <a:solidFill>
                   <a:srgbClr val="000000"/>
                 </a:solidFill>
-                <a:highlight>
-                  <a:srgbClr val="FFFFFF"/>
-                </a:highlight>
                 <a:latin typeface="돋움체" panose="020B0609000101010101" pitchFamily="49" charset="-127"/>
                 <a:ea typeface="돋움체" panose="020B0609000101010101" pitchFamily="49" charset="-127"/>
               </a:rPr>
@@ -4002,9 +3873,6 @@
                 <a:solidFill>
                   <a:srgbClr val="000000"/>
                 </a:solidFill>
-                <a:highlight>
-                  <a:srgbClr val="FFFFFF"/>
-                </a:highlight>
                 <a:latin typeface="돋움체" panose="020B0609000101010101" pitchFamily="49" charset="-127"/>
                 <a:ea typeface="돋움체" panose="020B0609000101010101" pitchFamily="49" charset="-127"/>
               </a:rPr>
@@ -4015,9 +3883,6 @@
                 <a:solidFill>
                   <a:srgbClr val="000000"/>
                 </a:solidFill>
-                <a:highlight>
-                  <a:srgbClr val="FFFFFF"/>
-                </a:highlight>
                 <a:latin typeface="돋움체" panose="020B0609000101010101" pitchFamily="49" charset="-127"/>
                 <a:ea typeface="돋움체" panose="020B0609000101010101" pitchFamily="49" charset="-127"/>
               </a:rPr>
@@ -4028,9 +3893,6 @@
                 <a:solidFill>
                   <a:srgbClr val="000000"/>
                 </a:solidFill>
-                <a:highlight>
-                  <a:srgbClr val="FFFFFF"/>
-                </a:highlight>
                 <a:latin typeface="돋움체" panose="020B0609000101010101" pitchFamily="49" charset="-127"/>
                 <a:ea typeface="돋움체" panose="020B0609000101010101" pitchFamily="49" charset="-127"/>
               </a:rPr>
@@ -4041,9 +3903,6 @@
                 <a:solidFill>
                   <a:srgbClr val="000000"/>
                 </a:solidFill>
-                <a:highlight>
-                  <a:srgbClr val="FFFFFF"/>
-                </a:highlight>
                 <a:latin typeface="돋움체" panose="020B0609000101010101" pitchFamily="49" charset="-127"/>
                 <a:ea typeface="돋움체" panose="020B0609000101010101" pitchFamily="49" charset="-127"/>
               </a:rPr>
@@ -4054,9 +3913,6 @@
                 <a:solidFill>
                   <a:srgbClr val="000000"/>
                 </a:solidFill>
-                <a:highlight>
-                  <a:srgbClr val="FFFFFF"/>
-                </a:highlight>
                 <a:latin typeface="돋움체" panose="020B0609000101010101" pitchFamily="49" charset="-127"/>
                 <a:ea typeface="돋움체" panose="020B0609000101010101" pitchFamily="49" charset="-127"/>
               </a:rPr>
@@ -4067,9 +3923,6 @@
                 <a:solidFill>
                   <a:srgbClr val="000000"/>
                 </a:solidFill>
-                <a:highlight>
-                  <a:srgbClr val="FFFFFF"/>
-                </a:highlight>
                 <a:latin typeface="돋움체" panose="020B0609000101010101" pitchFamily="49" charset="-127"/>
                 <a:ea typeface="돋움체" panose="020B0609000101010101" pitchFamily="49" charset="-127"/>
               </a:rPr>
@@ -4080,9 +3933,6 @@
                 <a:solidFill>
                   <a:srgbClr val="000000"/>
                 </a:solidFill>
-                <a:highlight>
-                  <a:srgbClr val="FFFFFF"/>
-                </a:highlight>
                 <a:latin typeface="돋움체" panose="020B0609000101010101" pitchFamily="49" charset="-127"/>
                 <a:ea typeface="돋움체" panose="020B0609000101010101" pitchFamily="49" charset="-127"/>
               </a:rPr>
@@ -4093,9 +3943,6 @@
                 <a:solidFill>
                   <a:srgbClr val="000000"/>
                 </a:solidFill>
-                <a:highlight>
-                  <a:srgbClr val="FFFFFF"/>
-                </a:highlight>
                 <a:latin typeface="돋움체" panose="020B0609000101010101" pitchFamily="49" charset="-127"/>
                 <a:ea typeface="돋움체" panose="020B0609000101010101" pitchFamily="49" charset="-127"/>
               </a:rPr>
@@ -4106,9 +3953,6 @@
                 <a:solidFill>
                   <a:srgbClr val="000000"/>
                 </a:solidFill>
-                <a:highlight>
-                  <a:srgbClr val="FFFFFF"/>
-                </a:highlight>
                 <a:latin typeface="돋움체" panose="020B0609000101010101" pitchFamily="49" charset="-127"/>
                 <a:ea typeface="돋움체" panose="020B0609000101010101" pitchFamily="49" charset="-127"/>
               </a:rPr>
@@ -4119,9 +3963,6 @@
                 <a:solidFill>
                   <a:srgbClr val="000000"/>
                 </a:solidFill>
-                <a:highlight>
-                  <a:srgbClr val="FFFFFF"/>
-                </a:highlight>
                 <a:latin typeface="돋움체" panose="020B0609000101010101" pitchFamily="49" charset="-127"/>
                 <a:ea typeface="돋움체" panose="020B0609000101010101" pitchFamily="49" charset="-127"/>
               </a:rPr>
@@ -4132,9 +3973,6 @@
                 <a:solidFill>
                   <a:srgbClr val="000000"/>
                 </a:solidFill>
-                <a:highlight>
-                  <a:srgbClr val="FFFFFF"/>
-                </a:highlight>
                 <a:latin typeface="돋움체" panose="020B0609000101010101" pitchFamily="49" charset="-127"/>
                 <a:ea typeface="돋움체" panose="020B0609000101010101" pitchFamily="49" charset="-127"/>
               </a:rPr>
@@ -4147,9 +3985,6 @@
                 <a:solidFill>
                   <a:srgbClr val="000000"/>
                 </a:solidFill>
-                <a:highlight>
-                  <a:srgbClr val="FFFFFF"/>
-                </a:highlight>
                 <a:latin typeface="돋움체" panose="020B0609000101010101" pitchFamily="49" charset="-127"/>
                 <a:ea typeface="돋움체" panose="020B0609000101010101" pitchFamily="49" charset="-127"/>
               </a:rPr>
@@ -4160,9 +3995,6 @@
                 <a:solidFill>
                   <a:srgbClr val="000000"/>
                 </a:solidFill>
-                <a:highlight>
-                  <a:srgbClr val="FFFFFF"/>
-                </a:highlight>
                 <a:latin typeface="돋움체" panose="020B0609000101010101" pitchFamily="49" charset="-127"/>
                 <a:ea typeface="돋움체" panose="020B0609000101010101" pitchFamily="49" charset="-127"/>
               </a:rPr>
@@ -4172,9 +4004,6 @@
               <a:solidFill>
                 <a:srgbClr val="000000"/>
               </a:solidFill>
-              <a:highlight>
-                <a:srgbClr val="FFFFFF"/>
-              </a:highlight>
               <a:latin typeface="돋움체" panose="020B0609000101010101" pitchFamily="49" charset="-127"/>
               <a:ea typeface="돋움체" panose="020B0609000101010101" pitchFamily="49" charset="-127"/>
             </a:endParaRPr>
@@ -4185,9 +4014,6 @@
                 <a:solidFill>
                   <a:srgbClr val="0000FF"/>
                 </a:solidFill>
-                <a:highlight>
-                  <a:srgbClr val="FFFFFF"/>
-                </a:highlight>
                 <a:latin typeface="돋움체" panose="020B0609000101010101" pitchFamily="49" charset="-127"/>
                 <a:ea typeface="돋움체" panose="020B0609000101010101" pitchFamily="49" charset="-127"/>
               </a:rPr>
@@ -4198,9 +4024,6 @@
                 <a:solidFill>
                   <a:srgbClr val="000000"/>
                 </a:solidFill>
-                <a:highlight>
-                  <a:srgbClr val="FFFFFF"/>
-                </a:highlight>
                 <a:latin typeface="돋움체" panose="020B0609000101010101" pitchFamily="49" charset="-127"/>
                 <a:ea typeface="돋움체" panose="020B0609000101010101" pitchFamily="49" charset="-127"/>
               </a:rPr>
@@ -4211,9 +4034,6 @@
                 <a:solidFill>
                   <a:srgbClr val="0000FF"/>
                 </a:solidFill>
-                <a:highlight>
-                  <a:srgbClr val="FFFFFF"/>
-                </a:highlight>
                 <a:latin typeface="돋움체" panose="020B0609000101010101" pitchFamily="49" charset="-127"/>
                 <a:ea typeface="돋움체" panose="020B0609000101010101" pitchFamily="49" charset="-127"/>
               </a:rPr>
@@ -4224,9 +4044,6 @@
                 <a:solidFill>
                   <a:srgbClr val="000000"/>
                 </a:solidFill>
-                <a:highlight>
-                  <a:srgbClr val="FFFFFF"/>
-                </a:highlight>
                 <a:latin typeface="돋움체" panose="020B0609000101010101" pitchFamily="49" charset="-127"/>
                 <a:ea typeface="돋움체" panose="020B0609000101010101" pitchFamily="49" charset="-127"/>
               </a:rPr>
@@ -4239,9 +4056,6 @@
                 <a:solidFill>
                   <a:srgbClr val="000000"/>
                 </a:solidFill>
-                <a:highlight>
-                  <a:srgbClr val="FFFFFF"/>
-                </a:highlight>
                 <a:latin typeface="돋움체" panose="020B0609000101010101" pitchFamily="49" charset="-127"/>
                 <a:ea typeface="돋움체" panose="020B0609000101010101" pitchFamily="49" charset="-127"/>
               </a:rPr>
@@ -4252,9 +4066,6 @@
                 <a:solidFill>
                   <a:srgbClr val="000000"/>
                 </a:solidFill>
-                <a:highlight>
-                  <a:srgbClr val="FFFFFF"/>
-                </a:highlight>
                 <a:latin typeface="돋움체" panose="020B0609000101010101" pitchFamily="49" charset="-127"/>
                 <a:ea typeface="돋움체" panose="020B0609000101010101" pitchFamily="49" charset="-127"/>
               </a:rPr>
@@ -4267,9 +4078,6 @@
                 <a:solidFill>
                   <a:srgbClr val="000000"/>
                 </a:solidFill>
-                <a:highlight>
-                  <a:srgbClr val="FFFFFF"/>
-                </a:highlight>
                 <a:latin typeface="돋움체" panose="020B0609000101010101" pitchFamily="49" charset="-127"/>
                 <a:ea typeface="돋움체" panose="020B0609000101010101" pitchFamily="49" charset="-127"/>
               </a:rPr>
@@ -4280,9 +4088,6 @@
                 <a:solidFill>
                   <a:srgbClr val="000000"/>
                 </a:solidFill>
-                <a:highlight>
-                  <a:srgbClr val="FFFFFF"/>
-                </a:highlight>
                 <a:latin typeface="돋움체" panose="020B0609000101010101" pitchFamily="49" charset="-127"/>
                 <a:ea typeface="돋움체" panose="020B0609000101010101" pitchFamily="49" charset="-127"/>
               </a:rPr>
@@ -4293,9 +4098,6 @@
                 <a:solidFill>
                   <a:srgbClr val="000000"/>
                 </a:solidFill>
-                <a:highlight>
-                  <a:srgbClr val="FFFFFF"/>
-                </a:highlight>
                 <a:latin typeface="돋움체" panose="020B0609000101010101" pitchFamily="49" charset="-127"/>
                 <a:ea typeface="돋움체" panose="020B0609000101010101" pitchFamily="49" charset="-127"/>
               </a:rPr>
@@ -4306,9 +4108,6 @@
                 <a:solidFill>
                   <a:srgbClr val="0000FF"/>
                 </a:solidFill>
-                <a:highlight>
-                  <a:srgbClr val="FFFFFF"/>
-                </a:highlight>
                 <a:latin typeface="돋움체" panose="020B0609000101010101" pitchFamily="49" charset="-127"/>
                 <a:ea typeface="돋움체" panose="020B0609000101010101" pitchFamily="49" charset="-127"/>
               </a:rPr>
@@ -4319,9 +4118,6 @@
                 <a:solidFill>
                   <a:srgbClr val="000000"/>
                 </a:solidFill>
-                <a:highlight>
-                  <a:srgbClr val="FFFFFF"/>
-                </a:highlight>
                 <a:latin typeface="돋움체" panose="020B0609000101010101" pitchFamily="49" charset="-127"/>
                 <a:ea typeface="돋움체" panose="020B0609000101010101" pitchFamily="49" charset="-127"/>
               </a:rPr>
@@ -4332,9 +4128,6 @@
                 <a:solidFill>
                   <a:srgbClr val="000000"/>
                 </a:solidFill>
-                <a:highlight>
-                  <a:srgbClr val="FFFFFF"/>
-                </a:highlight>
                 <a:latin typeface="돋움체" panose="020B0609000101010101" pitchFamily="49" charset="-127"/>
                 <a:ea typeface="돋움체" panose="020B0609000101010101" pitchFamily="49" charset="-127"/>
               </a:rPr>
@@ -4344,9 +4137,6 @@
               <a:solidFill>
                 <a:srgbClr val="000000"/>
               </a:solidFill>
-              <a:highlight>
-                <a:srgbClr val="FFFFFF"/>
-              </a:highlight>
               <a:latin typeface="돋움체" panose="020B0609000101010101" pitchFamily="49" charset="-127"/>
               <a:ea typeface="돋움체" panose="020B0609000101010101" pitchFamily="49" charset="-127"/>
             </a:endParaRPr>
@@ -4357,9 +4147,6 @@
                 <a:solidFill>
                   <a:srgbClr val="000000"/>
                 </a:solidFill>
-                <a:highlight>
-                  <a:srgbClr val="FFFFFF"/>
-                </a:highlight>
                 <a:latin typeface="돋움체" panose="020B0609000101010101" pitchFamily="49" charset="-127"/>
                 <a:ea typeface="돋움체" panose="020B0609000101010101" pitchFamily="49" charset="-127"/>
               </a:rPr>
@@ -4370,9 +4157,6 @@
                 <a:solidFill>
                   <a:srgbClr val="0000FF"/>
                 </a:solidFill>
-                <a:highlight>
-                  <a:srgbClr val="FFFFFF"/>
-                </a:highlight>
                 <a:latin typeface="돋움체" panose="020B0609000101010101" pitchFamily="49" charset="-127"/>
                 <a:ea typeface="돋움체" panose="020B0609000101010101" pitchFamily="49" charset="-127"/>
               </a:rPr>
@@ -4383,9 +4167,6 @@
                 <a:solidFill>
                   <a:srgbClr val="000000"/>
                 </a:solidFill>
-                <a:highlight>
-                  <a:srgbClr val="FFFFFF"/>
-                </a:highlight>
                 <a:latin typeface="돋움체" panose="020B0609000101010101" pitchFamily="49" charset="-127"/>
                 <a:ea typeface="돋움체" panose="020B0609000101010101" pitchFamily="49" charset="-127"/>
               </a:rPr>
@@ -4396,9 +4177,6 @@
                 <a:solidFill>
                   <a:srgbClr val="000000"/>
                 </a:solidFill>
-                <a:highlight>
-                  <a:srgbClr val="FFFFFF"/>
-                </a:highlight>
                 <a:latin typeface="돋움체" panose="020B0609000101010101" pitchFamily="49" charset="-127"/>
                 <a:ea typeface="돋움체" panose="020B0609000101010101" pitchFamily="49" charset="-127"/>
               </a:rPr>
@@ -4409,9 +4187,6 @@
                 <a:solidFill>
                   <a:srgbClr val="000000"/>
                 </a:solidFill>
-                <a:highlight>
-                  <a:srgbClr val="FFFFFF"/>
-                </a:highlight>
                 <a:latin typeface="돋움체" panose="020B0609000101010101" pitchFamily="49" charset="-127"/>
                 <a:ea typeface="돋움체" panose="020B0609000101010101" pitchFamily="49" charset="-127"/>
               </a:rPr>
@@ -4424,9 +4199,6 @@
                 <a:solidFill>
                   <a:srgbClr val="000000"/>
                 </a:solidFill>
-                <a:highlight>
-                  <a:srgbClr val="FFFFFF"/>
-                </a:highlight>
                 <a:latin typeface="돋움체" panose="020B0609000101010101" pitchFamily="49" charset="-127"/>
                 <a:ea typeface="돋움체" panose="020B0609000101010101" pitchFamily="49" charset="-127"/>
               </a:rPr>
@@ -4437,9 +4209,6 @@
                 <a:solidFill>
                   <a:srgbClr val="0000FF"/>
                 </a:solidFill>
-                <a:highlight>
-                  <a:srgbClr val="FFFFFF"/>
-                </a:highlight>
                 <a:latin typeface="돋움체" panose="020B0609000101010101" pitchFamily="49" charset="-127"/>
                 <a:ea typeface="돋움체" panose="020B0609000101010101" pitchFamily="49" charset="-127"/>
               </a:rPr>
@@ -4450,9 +4219,6 @@
                 <a:solidFill>
                   <a:srgbClr val="000000"/>
                 </a:solidFill>
-                <a:highlight>
-                  <a:srgbClr val="FFFFFF"/>
-                </a:highlight>
                 <a:latin typeface="돋움체" panose="020B0609000101010101" pitchFamily="49" charset="-127"/>
                 <a:ea typeface="돋움체" panose="020B0609000101010101" pitchFamily="49" charset="-127"/>
               </a:rPr>
@@ -4463,9 +4229,6 @@
                 <a:solidFill>
                   <a:srgbClr val="000000"/>
                 </a:solidFill>
-                <a:highlight>
-                  <a:srgbClr val="FFFFFF"/>
-                </a:highlight>
                 <a:latin typeface="돋움체" panose="020B0609000101010101" pitchFamily="49" charset="-127"/>
                 <a:ea typeface="돋움체" panose="020B0609000101010101" pitchFamily="49" charset="-127"/>
               </a:rPr>
@@ -4476,9 +4239,6 @@
                 <a:solidFill>
                   <a:srgbClr val="000000"/>
                 </a:solidFill>
-                <a:highlight>
-                  <a:srgbClr val="FFFFFF"/>
-                </a:highlight>
                 <a:latin typeface="돋움체" panose="020B0609000101010101" pitchFamily="49" charset="-127"/>
                 <a:ea typeface="돋움체" panose="020B0609000101010101" pitchFamily="49" charset="-127"/>
               </a:rPr>
@@ -4491,9 +4251,6 @@
                 <a:solidFill>
                   <a:srgbClr val="000000"/>
                 </a:solidFill>
-                <a:highlight>
-                  <a:srgbClr val="FFFFFF"/>
-                </a:highlight>
                 <a:latin typeface="돋움체" panose="020B0609000101010101" pitchFamily="49" charset="-127"/>
                 <a:ea typeface="돋움체" panose="020B0609000101010101" pitchFamily="49" charset="-127"/>
               </a:rPr>
@@ -4504,9 +4261,6 @@
                 <a:solidFill>
                   <a:srgbClr val="0000FF"/>
                 </a:solidFill>
-                <a:highlight>
-                  <a:srgbClr val="FFFFFF"/>
-                </a:highlight>
                 <a:latin typeface="돋움체" panose="020B0609000101010101" pitchFamily="49" charset="-127"/>
                 <a:ea typeface="돋움체" panose="020B0609000101010101" pitchFamily="49" charset="-127"/>
               </a:rPr>
@@ -4517,9 +4271,6 @@
                 <a:solidFill>
                   <a:srgbClr val="000000"/>
                 </a:solidFill>
-                <a:highlight>
-                  <a:srgbClr val="FFFFFF"/>
-                </a:highlight>
                 <a:latin typeface="돋움체" panose="020B0609000101010101" pitchFamily="49" charset="-127"/>
                 <a:ea typeface="돋움체" panose="020B0609000101010101" pitchFamily="49" charset="-127"/>
               </a:rPr>
@@ -4530,9 +4281,6 @@
                 <a:solidFill>
                   <a:srgbClr val="2B91AF"/>
                 </a:solidFill>
-                <a:highlight>
-                  <a:srgbClr val="FFFFFF"/>
-                </a:highlight>
                 <a:latin typeface="돋움체" panose="020B0609000101010101" pitchFamily="49" charset="-127"/>
                 <a:ea typeface="돋움체" panose="020B0609000101010101" pitchFamily="49" charset="-127"/>
               </a:rPr>
@@ -4543,9 +4291,6 @@
                 <a:solidFill>
                   <a:srgbClr val="000000"/>
                 </a:solidFill>
-                <a:highlight>
-                  <a:srgbClr val="FFFFFF"/>
-                </a:highlight>
                 <a:latin typeface="돋움체" panose="020B0609000101010101" pitchFamily="49" charset="-127"/>
                 <a:ea typeface="돋움체" panose="020B0609000101010101" pitchFamily="49" charset="-127"/>
               </a:rPr>
@@ -4555,9 +4300,6 @@
               <a:solidFill>
                 <a:srgbClr val="000000"/>
               </a:solidFill>
-              <a:highlight>
-                <a:srgbClr val="FFFFFF"/>
-              </a:highlight>
               <a:latin typeface="돋움체" panose="020B0609000101010101" pitchFamily="49" charset="-127"/>
               <a:ea typeface="돋움체" panose="020B0609000101010101" pitchFamily="49" charset="-127"/>
             </a:endParaRPr>
@@ -4568,9 +4310,6 @@
                 <a:solidFill>
                   <a:srgbClr val="000000"/>
                 </a:solidFill>
-                <a:highlight>
-                  <a:srgbClr val="FFFFFF"/>
-                </a:highlight>
                 <a:latin typeface="돋움체" panose="020B0609000101010101" pitchFamily="49" charset="-127"/>
                 <a:ea typeface="돋움체" panose="020B0609000101010101" pitchFamily="49" charset="-127"/>
               </a:rPr>
@@ -4581,9 +4320,6 @@
                 <a:solidFill>
                   <a:srgbClr val="000000"/>
                 </a:solidFill>
-                <a:highlight>
-                  <a:srgbClr val="FFFFFF"/>
-                </a:highlight>
                 <a:latin typeface="돋움체" panose="020B0609000101010101" pitchFamily="49" charset="-127"/>
                 <a:ea typeface="돋움체" panose="020B0609000101010101" pitchFamily="49" charset="-127"/>
               </a:rPr>
@@ -4594,9 +4330,6 @@
                 <a:solidFill>
                   <a:srgbClr val="000000"/>
                 </a:solidFill>
-                <a:highlight>
-                  <a:srgbClr val="FFFFFF"/>
-                </a:highlight>
                 <a:latin typeface="돋움체" panose="020B0609000101010101" pitchFamily="49" charset="-127"/>
                 <a:ea typeface="돋움체" panose="020B0609000101010101" pitchFamily="49" charset="-127"/>
               </a:rPr>
@@ -4607,9 +4340,6 @@
                 <a:solidFill>
                   <a:srgbClr val="000000"/>
                 </a:solidFill>
-                <a:highlight>
-                  <a:srgbClr val="FFFFFF"/>
-                </a:highlight>
                 <a:latin typeface="돋움체" panose="020B0609000101010101" pitchFamily="49" charset="-127"/>
                 <a:ea typeface="돋움체" panose="020B0609000101010101" pitchFamily="49" charset="-127"/>
               </a:rPr>
@@ -4620,9 +4350,6 @@
                 <a:solidFill>
                   <a:srgbClr val="000000"/>
                 </a:solidFill>
-                <a:highlight>
-                  <a:srgbClr val="FFFFFF"/>
-                </a:highlight>
                 <a:latin typeface="돋움체" panose="020B0609000101010101" pitchFamily="49" charset="-127"/>
                 <a:ea typeface="돋움체" panose="020B0609000101010101" pitchFamily="49" charset="-127"/>
               </a:rPr>
@@ -4633,9 +4360,6 @@
                 <a:solidFill>
                   <a:srgbClr val="000000"/>
                 </a:solidFill>
-                <a:highlight>
-                  <a:srgbClr val="FFFFFF"/>
-                </a:highlight>
                 <a:latin typeface="돋움체" panose="020B0609000101010101" pitchFamily="49" charset="-127"/>
                 <a:ea typeface="돋움체" panose="020B0609000101010101" pitchFamily="49" charset="-127"/>
               </a:rPr>
@@ -4646,9 +4370,6 @@
                 <a:solidFill>
                   <a:srgbClr val="000000"/>
                 </a:solidFill>
-                <a:highlight>
-                  <a:srgbClr val="FFFFFF"/>
-                </a:highlight>
                 <a:latin typeface="돋움체" panose="020B0609000101010101" pitchFamily="49" charset="-127"/>
                 <a:ea typeface="돋움체" panose="020B0609000101010101" pitchFamily="49" charset="-127"/>
               </a:rPr>
@@ -4659,9 +4380,6 @@
                 <a:solidFill>
                   <a:srgbClr val="0000FF"/>
                 </a:solidFill>
-                <a:highlight>
-                  <a:srgbClr val="FFFFFF"/>
-                </a:highlight>
                 <a:latin typeface="돋움체" panose="020B0609000101010101" pitchFamily="49" charset="-127"/>
                 <a:ea typeface="돋움체" panose="020B0609000101010101" pitchFamily="49" charset="-127"/>
               </a:rPr>
@@ -4672,9 +4390,6 @@
                 <a:solidFill>
                   <a:srgbClr val="000000"/>
                 </a:solidFill>
-                <a:highlight>
-                  <a:srgbClr val="FFFFFF"/>
-                </a:highlight>
                 <a:latin typeface="돋움체" panose="020B0609000101010101" pitchFamily="49" charset="-127"/>
                 <a:ea typeface="돋움체" panose="020B0609000101010101" pitchFamily="49" charset="-127"/>
               </a:rPr>
@@ -4685,9 +4400,6 @@
                 <a:solidFill>
                   <a:srgbClr val="2B91AF"/>
                 </a:solidFill>
-                <a:highlight>
-                  <a:srgbClr val="FFFFFF"/>
-                </a:highlight>
                 <a:latin typeface="돋움체" panose="020B0609000101010101" pitchFamily="49" charset="-127"/>
                 <a:ea typeface="돋움체" panose="020B0609000101010101" pitchFamily="49" charset="-127"/>
               </a:rPr>
@@ -4698,9 +4410,6 @@
                 <a:solidFill>
                   <a:srgbClr val="000000"/>
                 </a:solidFill>
-                <a:highlight>
-                  <a:srgbClr val="FFFFFF"/>
-                </a:highlight>
                 <a:latin typeface="돋움체" panose="020B0609000101010101" pitchFamily="49" charset="-127"/>
                 <a:ea typeface="돋움체" panose="020B0609000101010101" pitchFamily="49" charset="-127"/>
               </a:rPr>
@@ -4713,9 +4422,6 @@
                 <a:solidFill>
                   <a:srgbClr val="000000"/>
                 </a:solidFill>
-                <a:highlight>
-                  <a:srgbClr val="FFFFFF"/>
-                </a:highlight>
                 <a:latin typeface="돋움체" panose="020B0609000101010101" pitchFamily="49" charset="-127"/>
                 <a:ea typeface="돋움체" panose="020B0609000101010101" pitchFamily="49" charset="-127"/>
               </a:rPr>
@@ -4726,9 +4432,6 @@
                 <a:solidFill>
                   <a:srgbClr val="000000"/>
                 </a:solidFill>
-                <a:highlight>
-                  <a:srgbClr val="FFFFFF"/>
-                </a:highlight>
                 <a:latin typeface="돋움체" panose="020B0609000101010101" pitchFamily="49" charset="-127"/>
                 <a:ea typeface="돋움체" panose="020B0609000101010101" pitchFamily="49" charset="-127"/>
               </a:rPr>
@@ -4739,9 +4442,6 @@
                 <a:solidFill>
                   <a:srgbClr val="000000"/>
                 </a:solidFill>
-                <a:highlight>
-                  <a:srgbClr val="FFFFFF"/>
-                </a:highlight>
                 <a:latin typeface="돋움체" panose="020B0609000101010101" pitchFamily="49" charset="-127"/>
                 <a:ea typeface="돋움체" panose="020B0609000101010101" pitchFamily="49" charset="-127"/>
               </a:rPr>
@@ -4752,9 +4452,6 @@
                 <a:solidFill>
                   <a:srgbClr val="000000"/>
                 </a:solidFill>
-                <a:highlight>
-                  <a:srgbClr val="FFFFFF"/>
-                </a:highlight>
                 <a:latin typeface="돋움체" panose="020B0609000101010101" pitchFamily="49" charset="-127"/>
                 <a:ea typeface="돋움체" panose="020B0609000101010101" pitchFamily="49" charset="-127"/>
               </a:rPr>
@@ -4765,9 +4462,6 @@
                 <a:solidFill>
                   <a:srgbClr val="000000"/>
                 </a:solidFill>
-                <a:highlight>
-                  <a:srgbClr val="FFFFFF"/>
-                </a:highlight>
                 <a:latin typeface="돋움체" panose="020B0609000101010101" pitchFamily="49" charset="-127"/>
                 <a:ea typeface="돋움체" panose="020B0609000101010101" pitchFamily="49" charset="-127"/>
               </a:rPr>
@@ -4778,9 +4472,6 @@
                 <a:solidFill>
                   <a:srgbClr val="000000"/>
                 </a:solidFill>
-                <a:highlight>
-                  <a:srgbClr val="FFFFFF"/>
-                </a:highlight>
                 <a:latin typeface="돋움체" panose="020B0609000101010101" pitchFamily="49" charset="-127"/>
                 <a:ea typeface="돋움체" panose="020B0609000101010101" pitchFamily="49" charset="-127"/>
               </a:rPr>
@@ -4791,9 +4482,6 @@
                 <a:solidFill>
                   <a:srgbClr val="000000"/>
                 </a:solidFill>
-                <a:highlight>
-                  <a:srgbClr val="FFFFFF"/>
-                </a:highlight>
                 <a:latin typeface="돋움체" panose="020B0609000101010101" pitchFamily="49" charset="-127"/>
                 <a:ea typeface="돋움체" panose="020B0609000101010101" pitchFamily="49" charset="-127"/>
               </a:rPr>
@@ -4806,9 +4494,6 @@
                 <a:solidFill>
                   <a:srgbClr val="000000"/>
                 </a:solidFill>
-                <a:highlight>
-                  <a:srgbClr val="FFFFFF"/>
-                </a:highlight>
                 <a:latin typeface="돋움체" panose="020B0609000101010101" pitchFamily="49" charset="-127"/>
                 <a:ea typeface="돋움체" panose="020B0609000101010101" pitchFamily="49" charset="-127"/>
               </a:rPr>
@@ -4819,9 +4504,6 @@
                 <a:solidFill>
                   <a:srgbClr val="000000"/>
                 </a:solidFill>
-                <a:highlight>
-                  <a:srgbClr val="FFFFFF"/>
-                </a:highlight>
                 <a:latin typeface="돋움체" panose="020B0609000101010101" pitchFamily="49" charset="-127"/>
                 <a:ea typeface="돋움체" panose="020B0609000101010101" pitchFamily="49" charset="-127"/>
               </a:rPr>
@@ -4832,9 +4514,6 @@
                 <a:solidFill>
                   <a:srgbClr val="000000"/>
                 </a:solidFill>
-                <a:highlight>
-                  <a:srgbClr val="FFFFFF"/>
-                </a:highlight>
                 <a:latin typeface="돋움체" panose="020B0609000101010101" pitchFamily="49" charset="-127"/>
                 <a:ea typeface="돋움체" panose="020B0609000101010101" pitchFamily="49" charset="-127"/>
               </a:rPr>
@@ -4845,9 +4524,6 @@
                 <a:solidFill>
                   <a:srgbClr val="0000FF"/>
                 </a:solidFill>
-                <a:highlight>
-                  <a:srgbClr val="FFFFFF"/>
-                </a:highlight>
                 <a:latin typeface="돋움체" panose="020B0609000101010101" pitchFamily="49" charset="-127"/>
                 <a:ea typeface="돋움체" panose="020B0609000101010101" pitchFamily="49" charset="-127"/>
               </a:rPr>
@@ -4858,9 +4534,6 @@
                 <a:solidFill>
                   <a:srgbClr val="000000"/>
                 </a:solidFill>
-                <a:highlight>
-                  <a:srgbClr val="FFFFFF"/>
-                </a:highlight>
                 <a:latin typeface="돋움체" panose="020B0609000101010101" pitchFamily="49" charset="-127"/>
                 <a:ea typeface="돋움체" panose="020B0609000101010101" pitchFamily="49" charset="-127"/>
               </a:rPr>
@@ -4871,9 +4544,6 @@
                 <a:solidFill>
                   <a:srgbClr val="000000"/>
                 </a:solidFill>
-                <a:highlight>
-                  <a:srgbClr val="FFFFFF"/>
-                </a:highlight>
                 <a:latin typeface="돋움체" panose="020B0609000101010101" pitchFamily="49" charset="-127"/>
                 <a:ea typeface="돋움체" panose="020B0609000101010101" pitchFamily="49" charset="-127"/>
               </a:rPr>
@@ -4884,9 +4554,6 @@
                 <a:solidFill>
                   <a:srgbClr val="000000"/>
                 </a:solidFill>
-                <a:highlight>
-                  <a:srgbClr val="FFFFFF"/>
-                </a:highlight>
                 <a:latin typeface="돋움체" panose="020B0609000101010101" pitchFamily="49" charset="-127"/>
                 <a:ea typeface="돋움체" panose="020B0609000101010101" pitchFamily="49" charset="-127"/>
               </a:rPr>
@@ -4899,9 +4566,6 @@
                 <a:solidFill>
                   <a:srgbClr val="000000"/>
                 </a:solidFill>
-                <a:highlight>
-                  <a:srgbClr val="FFFFFF"/>
-                </a:highlight>
                 <a:latin typeface="돋움체" panose="020B0609000101010101" pitchFamily="49" charset="-127"/>
                 <a:ea typeface="돋움체" panose="020B0609000101010101" pitchFamily="49" charset="-127"/>
               </a:rPr>
@@ -4912,9 +4576,6 @@
                 <a:solidFill>
                   <a:srgbClr val="000000"/>
                 </a:solidFill>
-                <a:highlight>
-                  <a:srgbClr val="FFFFFF"/>
-                </a:highlight>
                 <a:latin typeface="돋움체" panose="020B0609000101010101" pitchFamily="49" charset="-127"/>
                 <a:ea typeface="돋움체" panose="020B0609000101010101" pitchFamily="49" charset="-127"/>
               </a:rPr>
@@ -4925,9 +4586,6 @@
                 <a:solidFill>
                   <a:srgbClr val="000000"/>
                 </a:solidFill>
-                <a:highlight>
-                  <a:srgbClr val="FFFFFF"/>
-                </a:highlight>
                 <a:latin typeface="돋움체" panose="020B0609000101010101" pitchFamily="49" charset="-127"/>
                 <a:ea typeface="돋움체" panose="020B0609000101010101" pitchFamily="49" charset="-127"/>
               </a:rPr>
@@ -4938,9 +4596,6 @@
                 <a:solidFill>
                   <a:srgbClr val="000000"/>
                 </a:solidFill>
-                <a:highlight>
-                  <a:srgbClr val="FFFFFF"/>
-                </a:highlight>
                 <a:latin typeface="돋움체" panose="020B0609000101010101" pitchFamily="49" charset="-127"/>
                 <a:ea typeface="돋움체" panose="020B0609000101010101" pitchFamily="49" charset="-127"/>
               </a:rPr>
@@ -4951,9 +4606,6 @@
                 <a:solidFill>
                   <a:srgbClr val="000000"/>
                 </a:solidFill>
-                <a:highlight>
-                  <a:srgbClr val="FFFFFF"/>
-                </a:highlight>
                 <a:latin typeface="돋움체" panose="020B0609000101010101" pitchFamily="49" charset="-127"/>
                 <a:ea typeface="돋움체" panose="020B0609000101010101" pitchFamily="49" charset="-127"/>
               </a:rPr>
@@ -4964,9 +4616,6 @@
                 <a:solidFill>
                   <a:srgbClr val="000000"/>
                 </a:solidFill>
-                <a:highlight>
-                  <a:srgbClr val="FFFFFF"/>
-                </a:highlight>
                 <a:latin typeface="돋움체" panose="020B0609000101010101" pitchFamily="49" charset="-127"/>
                 <a:ea typeface="돋움체" panose="020B0609000101010101" pitchFamily="49" charset="-127"/>
               </a:rPr>
@@ -4977,9 +4626,6 @@
                 <a:solidFill>
                   <a:srgbClr val="000000"/>
                 </a:solidFill>
-                <a:highlight>
-                  <a:srgbClr val="FFFFFF"/>
-                </a:highlight>
                 <a:latin typeface="돋움체" panose="020B0609000101010101" pitchFamily="49" charset="-127"/>
                 <a:ea typeface="돋움체" panose="020B0609000101010101" pitchFamily="49" charset="-127"/>
               </a:rPr>
@@ -4990,9 +4636,6 @@
                 <a:solidFill>
                   <a:srgbClr val="000000"/>
                 </a:solidFill>
-                <a:highlight>
-                  <a:srgbClr val="FFFFFF"/>
-                </a:highlight>
                 <a:latin typeface="돋움체" panose="020B0609000101010101" pitchFamily="49" charset="-127"/>
                 <a:ea typeface="돋움체" panose="020B0609000101010101" pitchFamily="49" charset="-127"/>
               </a:rPr>
@@ -5003,9 +4646,6 @@
                 <a:solidFill>
                   <a:srgbClr val="000000"/>
                 </a:solidFill>
-                <a:highlight>
-                  <a:srgbClr val="FFFFFF"/>
-                </a:highlight>
                 <a:latin typeface="돋움체" panose="020B0609000101010101" pitchFamily="49" charset="-127"/>
                 <a:ea typeface="돋움체" panose="020B0609000101010101" pitchFamily="49" charset="-127"/>
               </a:rPr>
@@ -5016,9 +4656,6 @@
                 <a:solidFill>
                   <a:srgbClr val="000000"/>
                 </a:solidFill>
-                <a:highlight>
-                  <a:srgbClr val="FFFFFF"/>
-                </a:highlight>
                 <a:latin typeface="돋움체" panose="020B0609000101010101" pitchFamily="49" charset="-127"/>
                 <a:ea typeface="돋움체" panose="020B0609000101010101" pitchFamily="49" charset="-127"/>
               </a:rPr>
@@ -5029,9 +4666,6 @@
                 <a:solidFill>
                   <a:srgbClr val="000000"/>
                 </a:solidFill>
-                <a:highlight>
-                  <a:srgbClr val="FFFFFF"/>
-                </a:highlight>
                 <a:latin typeface="돋움체" panose="020B0609000101010101" pitchFamily="49" charset="-127"/>
                 <a:ea typeface="돋움체" panose="020B0609000101010101" pitchFamily="49" charset="-127"/>
               </a:rPr>
@@ -5044,9 +4678,6 @@
                 <a:solidFill>
                   <a:srgbClr val="000000"/>
                 </a:solidFill>
-                <a:highlight>
-                  <a:srgbClr val="FFFFFF"/>
-                </a:highlight>
                 <a:latin typeface="돋움체" panose="020B0609000101010101" pitchFamily="49" charset="-127"/>
                 <a:ea typeface="돋움체" panose="020B0609000101010101" pitchFamily="49" charset="-127"/>
               </a:rPr>
@@ -5057,9 +4688,6 @@
                 <a:solidFill>
                   <a:srgbClr val="2B91AF"/>
                 </a:solidFill>
-                <a:highlight>
-                  <a:srgbClr val="FFFFFF"/>
-                </a:highlight>
                 <a:latin typeface="돋움체" panose="020B0609000101010101" pitchFamily="49" charset="-127"/>
                 <a:ea typeface="돋움체" panose="020B0609000101010101" pitchFamily="49" charset="-127"/>
               </a:rPr>
@@ -5070,9 +4698,6 @@
                 <a:solidFill>
                   <a:srgbClr val="000000"/>
                 </a:solidFill>
-                <a:highlight>
-                  <a:srgbClr val="FFFFFF"/>
-                </a:highlight>
                 <a:latin typeface="돋움체" panose="020B0609000101010101" pitchFamily="49" charset="-127"/>
                 <a:ea typeface="돋움체" panose="020B0609000101010101" pitchFamily="49" charset="-127"/>
               </a:rPr>
@@ -5083,9 +4708,6 @@
                 <a:solidFill>
                   <a:srgbClr val="000000"/>
                 </a:solidFill>
-                <a:highlight>
-                  <a:srgbClr val="FFFFFF"/>
-                </a:highlight>
                 <a:latin typeface="돋움체" panose="020B0609000101010101" pitchFamily="49" charset="-127"/>
                 <a:ea typeface="돋움체" panose="020B0609000101010101" pitchFamily="49" charset="-127"/>
               </a:rPr>
@@ -5096,9 +4718,6 @@
                 <a:solidFill>
                   <a:srgbClr val="000000"/>
                 </a:solidFill>
-                <a:highlight>
-                  <a:srgbClr val="FFFFFF"/>
-                </a:highlight>
                 <a:latin typeface="돋움체" panose="020B0609000101010101" pitchFamily="49" charset="-127"/>
                 <a:ea typeface="돋움체" panose="020B0609000101010101" pitchFamily="49" charset="-127"/>
               </a:rPr>
@@ -5109,9 +4728,6 @@
                 <a:solidFill>
                   <a:srgbClr val="000000"/>
                 </a:solidFill>
-                <a:highlight>
-                  <a:srgbClr val="FFFFFF"/>
-                </a:highlight>
                 <a:latin typeface="돋움체" panose="020B0609000101010101" pitchFamily="49" charset="-127"/>
                 <a:ea typeface="돋움체" panose="020B0609000101010101" pitchFamily="49" charset="-127"/>
               </a:rPr>
@@ -5122,9 +4738,6 @@
                 <a:solidFill>
                   <a:srgbClr val="000000"/>
                 </a:solidFill>
-                <a:highlight>
-                  <a:srgbClr val="FFFFFF"/>
-                </a:highlight>
                 <a:latin typeface="돋움체" panose="020B0609000101010101" pitchFamily="49" charset="-127"/>
                 <a:ea typeface="돋움체" panose="020B0609000101010101" pitchFamily="49" charset="-127"/>
               </a:rPr>
@@ -5135,9 +4748,6 @@
                 <a:solidFill>
                   <a:srgbClr val="000000"/>
                 </a:solidFill>
-                <a:highlight>
-                  <a:srgbClr val="FFFFFF"/>
-                </a:highlight>
                 <a:latin typeface="돋움체" panose="020B0609000101010101" pitchFamily="49" charset="-127"/>
                 <a:ea typeface="돋움체" panose="020B0609000101010101" pitchFamily="49" charset="-127"/>
               </a:rPr>
@@ -5148,9 +4758,6 @@
                 <a:solidFill>
                   <a:srgbClr val="000000"/>
                 </a:solidFill>
-                <a:highlight>
-                  <a:srgbClr val="FFFFFF"/>
-                </a:highlight>
                 <a:latin typeface="돋움체" panose="020B0609000101010101" pitchFamily="49" charset="-127"/>
                 <a:ea typeface="돋움체" panose="020B0609000101010101" pitchFamily="49" charset="-127"/>
               </a:rPr>
@@ -5161,9 +4768,6 @@
                 <a:solidFill>
                   <a:srgbClr val="000000"/>
                 </a:solidFill>
-                <a:highlight>
-                  <a:srgbClr val="FFFFFF"/>
-                </a:highlight>
                 <a:latin typeface="돋움체" panose="020B0609000101010101" pitchFamily="49" charset="-127"/>
                 <a:ea typeface="돋움체" panose="020B0609000101010101" pitchFamily="49" charset="-127"/>
               </a:rPr>
@@ -5174,9 +4778,6 @@
                 <a:solidFill>
                   <a:srgbClr val="000000"/>
                 </a:solidFill>
-                <a:highlight>
-                  <a:srgbClr val="FFFFFF"/>
-                </a:highlight>
                 <a:latin typeface="돋움체" panose="020B0609000101010101" pitchFamily="49" charset="-127"/>
                 <a:ea typeface="돋움체" panose="020B0609000101010101" pitchFamily="49" charset="-127"/>
               </a:rPr>
@@ -5187,9 +4788,6 @@
                 <a:solidFill>
                   <a:srgbClr val="2B91AF"/>
                 </a:solidFill>
-                <a:highlight>
-                  <a:srgbClr val="FFFFFF"/>
-                </a:highlight>
                 <a:latin typeface="돋움체" panose="020B0609000101010101" pitchFamily="49" charset="-127"/>
                 <a:ea typeface="돋움체" panose="020B0609000101010101" pitchFamily="49" charset="-127"/>
               </a:rPr>
@@ -5200,9 +4798,6 @@
                 <a:solidFill>
                   <a:srgbClr val="000000"/>
                 </a:solidFill>
-                <a:highlight>
-                  <a:srgbClr val="FFFFFF"/>
-                </a:highlight>
                 <a:latin typeface="돋움체" panose="020B0609000101010101" pitchFamily="49" charset="-127"/>
                 <a:ea typeface="돋움체" panose="020B0609000101010101" pitchFamily="49" charset="-127"/>
               </a:rPr>
@@ -5215,9 +4810,6 @@
                 <a:solidFill>
                   <a:srgbClr val="000000"/>
                 </a:solidFill>
-                <a:highlight>
-                  <a:srgbClr val="FFFFFF"/>
-                </a:highlight>
                 <a:latin typeface="돋움체" panose="020B0609000101010101" pitchFamily="49" charset="-127"/>
                 <a:ea typeface="돋움체" panose="020B0609000101010101" pitchFamily="49" charset="-127"/>
               </a:rPr>
@@ -5228,9 +4820,6 @@
                 <a:solidFill>
                   <a:srgbClr val="000000"/>
                 </a:solidFill>
-                <a:highlight>
-                  <a:srgbClr val="FFFFFF"/>
-                </a:highlight>
                 <a:latin typeface="돋움체" panose="020B0609000101010101" pitchFamily="49" charset="-127"/>
                 <a:ea typeface="돋움체" panose="020B0609000101010101" pitchFamily="49" charset="-127"/>
               </a:rPr>
@@ -5241,9 +4830,6 @@
                 <a:solidFill>
                   <a:srgbClr val="000000"/>
                 </a:solidFill>
-                <a:highlight>
-                  <a:srgbClr val="FFFFFF"/>
-                </a:highlight>
                 <a:latin typeface="돋움체" panose="020B0609000101010101" pitchFamily="49" charset="-127"/>
                 <a:ea typeface="돋움체" panose="020B0609000101010101" pitchFamily="49" charset="-127"/>
               </a:rPr>
@@ -5254,9 +4840,6 @@
                 <a:solidFill>
                   <a:srgbClr val="000000"/>
                 </a:solidFill>
-                <a:highlight>
-                  <a:srgbClr val="FFFFFF"/>
-                </a:highlight>
                 <a:latin typeface="돋움체" panose="020B0609000101010101" pitchFamily="49" charset="-127"/>
                 <a:ea typeface="돋움체" panose="020B0609000101010101" pitchFamily="49" charset="-127"/>
               </a:rPr>
@@ -5267,9 +4850,6 @@
                 <a:solidFill>
                   <a:srgbClr val="000000"/>
                 </a:solidFill>
-                <a:highlight>
-                  <a:srgbClr val="FFFFFF"/>
-                </a:highlight>
                 <a:latin typeface="돋움체" panose="020B0609000101010101" pitchFamily="49" charset="-127"/>
                 <a:ea typeface="돋움체" panose="020B0609000101010101" pitchFamily="49" charset="-127"/>
               </a:rPr>
@@ -5280,9 +4860,6 @@
                 <a:solidFill>
                   <a:srgbClr val="000000"/>
                 </a:solidFill>
-                <a:highlight>
-                  <a:srgbClr val="FFFFFF"/>
-                </a:highlight>
                 <a:latin typeface="돋움체" panose="020B0609000101010101" pitchFamily="49" charset="-127"/>
                 <a:ea typeface="돋움체" panose="020B0609000101010101" pitchFamily="49" charset="-127"/>
               </a:rPr>
@@ -5293,9 +4870,6 @@
                 <a:solidFill>
                   <a:srgbClr val="000000"/>
                 </a:solidFill>
-                <a:highlight>
-                  <a:srgbClr val="FFFFFF"/>
-                </a:highlight>
                 <a:latin typeface="돋움체" panose="020B0609000101010101" pitchFamily="49" charset="-127"/>
                 <a:ea typeface="돋움체" panose="020B0609000101010101" pitchFamily="49" charset="-127"/>
               </a:rPr>
@@ -5308,9 +4882,6 @@
                 <a:solidFill>
                   <a:srgbClr val="000000"/>
                 </a:solidFill>
-                <a:highlight>
-                  <a:srgbClr val="FFFFFF"/>
-                </a:highlight>
                 <a:latin typeface="돋움체" panose="020B0609000101010101" pitchFamily="49" charset="-127"/>
                 <a:ea typeface="돋움체" panose="020B0609000101010101" pitchFamily="49" charset="-127"/>
               </a:rPr>
@@ -5321,9 +4892,6 @@
                 <a:solidFill>
                   <a:srgbClr val="000000"/>
                 </a:solidFill>
-                <a:highlight>
-                  <a:srgbClr val="FFFFFF"/>
-                </a:highlight>
                 <a:latin typeface="돋움체" panose="020B0609000101010101" pitchFamily="49" charset="-127"/>
                 <a:ea typeface="돋움체" panose="020B0609000101010101" pitchFamily="49" charset="-127"/>
               </a:rPr>
@@ -5334,9 +4902,6 @@
                 <a:solidFill>
                   <a:srgbClr val="000000"/>
                 </a:solidFill>
-                <a:highlight>
-                  <a:srgbClr val="FFFFFF"/>
-                </a:highlight>
                 <a:latin typeface="돋움체" panose="020B0609000101010101" pitchFamily="49" charset="-127"/>
                 <a:ea typeface="돋움체" panose="020B0609000101010101" pitchFamily="49" charset="-127"/>
               </a:rPr>
@@ -5349,9 +4914,6 @@
                 <a:solidFill>
                   <a:srgbClr val="000000"/>
                 </a:solidFill>
-                <a:highlight>
-                  <a:srgbClr val="FFFFFF"/>
-                </a:highlight>
                 <a:latin typeface="돋움체" panose="020B0609000101010101" pitchFamily="49" charset="-127"/>
                 <a:ea typeface="돋움체" panose="020B0609000101010101" pitchFamily="49" charset="-127"/>
               </a:rPr>
@@ -5364,9 +4926,6 @@
                 <a:solidFill>
                   <a:srgbClr val="000000"/>
                 </a:solidFill>
-                <a:highlight>
-                  <a:srgbClr val="FFFFFF"/>
-                </a:highlight>
                 <a:latin typeface="돋움체" panose="020B0609000101010101" pitchFamily="49" charset="-127"/>
                 <a:ea typeface="돋움체" panose="020B0609000101010101" pitchFamily="49" charset="-127"/>
               </a:rPr>
@@ -5377,9 +4936,6 @@
                 <a:solidFill>
                   <a:srgbClr val="000000"/>
                 </a:solidFill>
-                <a:highlight>
-                  <a:srgbClr val="FFFFFF"/>
-                </a:highlight>
                 <a:latin typeface="돋움체" panose="020B0609000101010101" pitchFamily="49" charset="-127"/>
                 <a:ea typeface="돋움체" panose="020B0609000101010101" pitchFamily="49" charset="-127"/>
               </a:rPr>
@@ -5390,9 +4946,6 @@
                 <a:solidFill>
                   <a:srgbClr val="000000"/>
                 </a:solidFill>
-                <a:highlight>
-                  <a:srgbClr val="FFFFFF"/>
-                </a:highlight>
                 <a:latin typeface="돋움체" panose="020B0609000101010101" pitchFamily="49" charset="-127"/>
                 <a:ea typeface="돋움체" panose="020B0609000101010101" pitchFamily="49" charset="-127"/>
               </a:rPr>
@@ -5403,9 +4956,6 @@
                 <a:solidFill>
                   <a:srgbClr val="000000"/>
                 </a:solidFill>
-                <a:highlight>
-                  <a:srgbClr val="FFFFFF"/>
-                </a:highlight>
                 <a:latin typeface="돋움체" panose="020B0609000101010101" pitchFamily="49" charset="-127"/>
                 <a:ea typeface="돋움체" panose="020B0609000101010101" pitchFamily="49" charset="-127"/>
               </a:rPr>
@@ -5416,9 +4966,6 @@
                 <a:solidFill>
                   <a:srgbClr val="000000"/>
                 </a:solidFill>
-                <a:highlight>
-                  <a:srgbClr val="FFFFFF"/>
-                </a:highlight>
                 <a:latin typeface="돋움체" panose="020B0609000101010101" pitchFamily="49" charset="-127"/>
                 <a:ea typeface="돋움체" panose="020B0609000101010101" pitchFamily="49" charset="-127"/>
               </a:rPr>
@@ -5431,9 +4978,6 @@
                 <a:solidFill>
                   <a:srgbClr val="000000"/>
                 </a:solidFill>
-                <a:highlight>
-                  <a:srgbClr val="FFFFFF"/>
-                </a:highlight>
                 <a:latin typeface="돋움체" panose="020B0609000101010101" pitchFamily="49" charset="-127"/>
                 <a:ea typeface="돋움체" panose="020B0609000101010101" pitchFamily="49" charset="-127"/>
               </a:rPr>
@@ -5444,9 +4988,6 @@
                 <a:solidFill>
                   <a:srgbClr val="000000"/>
                 </a:solidFill>
-                <a:highlight>
-                  <a:srgbClr val="FFFFFF"/>
-                </a:highlight>
                 <a:latin typeface="돋움체" panose="020B0609000101010101" pitchFamily="49" charset="-127"/>
                 <a:ea typeface="돋움체" panose="020B0609000101010101" pitchFamily="49" charset="-127"/>
               </a:rPr>
@@ -5459,9 +5000,6 @@
                 <a:solidFill>
                   <a:srgbClr val="000000"/>
                 </a:solidFill>
-                <a:highlight>
-                  <a:srgbClr val="FFFFFF"/>
-                </a:highlight>
                 <a:latin typeface="돋움체" panose="020B0609000101010101" pitchFamily="49" charset="-127"/>
                 <a:ea typeface="돋움체" panose="020B0609000101010101" pitchFamily="49" charset="-127"/>
               </a:rPr>
@@ -5474,9 +5012,6 @@
                 <a:solidFill>
                   <a:srgbClr val="000000"/>
                 </a:solidFill>
-                <a:highlight>
-                  <a:srgbClr val="FFFFFF"/>
-                </a:highlight>
                 <a:latin typeface="돋움체" panose="020B0609000101010101" pitchFamily="49" charset="-127"/>
                 <a:ea typeface="돋움체" panose="020B0609000101010101" pitchFamily="49" charset="-127"/>
               </a:rPr>
@@ -5489,9 +5024,6 @@
                 <a:solidFill>
                   <a:srgbClr val="000000"/>
                 </a:solidFill>
-                <a:highlight>
-                  <a:srgbClr val="FFFFFF"/>
-                </a:highlight>
                 <a:latin typeface="돋움체" panose="020B0609000101010101" pitchFamily="49" charset="-127"/>
                 <a:ea typeface="돋움체" panose="020B0609000101010101" pitchFamily="49" charset="-127"/>
               </a:rPr>
@@ -5934,9 +5466,6 @@
                 <a:solidFill>
                   <a:srgbClr val="0000FF"/>
                 </a:solidFill>
-                <a:highlight>
-                  <a:srgbClr val="FFFFFF"/>
-                </a:highlight>
                 <a:latin typeface="돋움체" panose="020B0609000101010101" pitchFamily="49" charset="-127"/>
                 <a:ea typeface="돋움체" panose="020B0609000101010101" pitchFamily="49" charset="-127"/>
               </a:rPr>
@@ -5947,9 +5476,6 @@
                 <a:solidFill>
                   <a:srgbClr val="000000"/>
                 </a:solidFill>
-                <a:highlight>
-                  <a:srgbClr val="FFFFFF"/>
-                </a:highlight>
                 <a:latin typeface="돋움체" panose="020B0609000101010101" pitchFamily="49" charset="-127"/>
                 <a:ea typeface="돋움체" panose="020B0609000101010101" pitchFamily="49" charset="-127"/>
               </a:rPr>
@@ -5960,9 +5486,6 @@
                 <a:solidFill>
                   <a:srgbClr val="0000FF"/>
                 </a:solidFill>
-                <a:highlight>
-                  <a:srgbClr val="FFFFFF"/>
-                </a:highlight>
                 <a:latin typeface="돋움체" panose="020B0609000101010101" pitchFamily="49" charset="-127"/>
                 <a:ea typeface="돋움체" panose="020B0609000101010101" pitchFamily="49" charset="-127"/>
               </a:rPr>
@@ -5973,9 +5496,6 @@
                 <a:solidFill>
                   <a:srgbClr val="000000"/>
                 </a:solidFill>
-                <a:highlight>
-                  <a:srgbClr val="FFFFFF"/>
-                </a:highlight>
                 <a:latin typeface="돋움체" panose="020B0609000101010101" pitchFamily="49" charset="-127"/>
                 <a:ea typeface="돋움체" panose="020B0609000101010101" pitchFamily="49" charset="-127"/>
               </a:rPr>
@@ -5988,9 +5508,6 @@
                 <a:solidFill>
                   <a:srgbClr val="000000"/>
                 </a:solidFill>
-                <a:highlight>
-                  <a:srgbClr val="FFFFFF"/>
-                </a:highlight>
                 <a:latin typeface="돋움체" panose="020B0609000101010101" pitchFamily="49" charset="-127"/>
                 <a:ea typeface="돋움체" panose="020B0609000101010101" pitchFamily="49" charset="-127"/>
               </a:rPr>
@@ -6003,9 +5520,6 @@
                 <a:solidFill>
                   <a:srgbClr val="000000"/>
                 </a:solidFill>
-                <a:highlight>
-                  <a:srgbClr val="FFFFFF"/>
-                </a:highlight>
                 <a:latin typeface="돋움체" panose="020B0609000101010101" pitchFamily="49" charset="-127"/>
                 <a:ea typeface="돋움체" panose="020B0609000101010101" pitchFamily="49" charset="-127"/>
               </a:rPr>
@@ -6016,9 +5530,6 @@
                 <a:solidFill>
                   <a:srgbClr val="0000FF"/>
                 </a:solidFill>
-                <a:highlight>
-                  <a:srgbClr val="FFFFFF"/>
-                </a:highlight>
                 <a:latin typeface="돋움체" panose="020B0609000101010101" pitchFamily="49" charset="-127"/>
                 <a:ea typeface="돋움체" panose="020B0609000101010101" pitchFamily="49" charset="-127"/>
               </a:rPr>
@@ -6029,9 +5540,6 @@
                 <a:solidFill>
                   <a:srgbClr val="000000"/>
                 </a:solidFill>
-                <a:highlight>
-                  <a:srgbClr val="FFFFFF"/>
-                </a:highlight>
                 <a:latin typeface="돋움체" panose="020B0609000101010101" pitchFamily="49" charset="-127"/>
                 <a:ea typeface="돋움체" panose="020B0609000101010101" pitchFamily="49" charset="-127"/>
               </a:rPr>
@@ -6042,9 +5550,6 @@
                 <a:solidFill>
                   <a:srgbClr val="000000"/>
                 </a:solidFill>
-                <a:highlight>
-                  <a:srgbClr val="FFFFFF"/>
-                </a:highlight>
                 <a:latin typeface="돋움체" panose="020B0609000101010101" pitchFamily="49" charset="-127"/>
                 <a:ea typeface="돋움체" panose="020B0609000101010101" pitchFamily="49" charset="-127"/>
               </a:rPr>
@@ -6055,9 +5560,6 @@
                 <a:solidFill>
                   <a:srgbClr val="000000"/>
                 </a:solidFill>
-                <a:highlight>
-                  <a:srgbClr val="FFFFFF"/>
-                </a:highlight>
                 <a:latin typeface="돋움체" panose="020B0609000101010101" pitchFamily="49" charset="-127"/>
                 <a:ea typeface="돋움체" panose="020B0609000101010101" pitchFamily="49" charset="-127"/>
               </a:rPr>
@@ -6070,9 +5572,6 @@
                 <a:solidFill>
                   <a:srgbClr val="000000"/>
                 </a:solidFill>
-                <a:highlight>
-                  <a:srgbClr val="FFFFFF"/>
-                </a:highlight>
                 <a:latin typeface="돋움체" panose="020B0609000101010101" pitchFamily="49" charset="-127"/>
                 <a:ea typeface="돋움체" panose="020B0609000101010101" pitchFamily="49" charset="-127"/>
               </a:rPr>
@@ -6083,9 +5582,6 @@
                 <a:solidFill>
                   <a:srgbClr val="000000"/>
                 </a:solidFill>
-                <a:highlight>
-                  <a:srgbClr val="FFFFFF"/>
-                </a:highlight>
                 <a:latin typeface="돋움체" panose="020B0609000101010101" pitchFamily="49" charset="-127"/>
                 <a:ea typeface="돋움체" panose="020B0609000101010101" pitchFamily="49" charset="-127"/>
               </a:rPr>
@@ -6098,9 +5594,6 @@
                 <a:solidFill>
                   <a:srgbClr val="000000"/>
                 </a:solidFill>
-                <a:highlight>
-                  <a:srgbClr val="FFFFFF"/>
-                </a:highlight>
                 <a:latin typeface="돋움체" panose="020B0609000101010101" pitchFamily="49" charset="-127"/>
                 <a:ea typeface="돋움체" panose="020B0609000101010101" pitchFamily="49" charset="-127"/>
               </a:rPr>
@@ -6111,9 +5604,6 @@
                 <a:solidFill>
                   <a:srgbClr val="000000"/>
                 </a:solidFill>
-                <a:highlight>
-                  <a:srgbClr val="FFFFFF"/>
-                </a:highlight>
                 <a:latin typeface="돋움체" panose="020B0609000101010101" pitchFamily="49" charset="-127"/>
                 <a:ea typeface="돋움체" panose="020B0609000101010101" pitchFamily="49" charset="-127"/>
               </a:rPr>
@@ -6124,9 +5614,6 @@
                 <a:solidFill>
                   <a:srgbClr val="000000"/>
                 </a:solidFill>
-                <a:highlight>
-                  <a:srgbClr val="FFFFFF"/>
-                </a:highlight>
                 <a:latin typeface="돋움체" panose="020B0609000101010101" pitchFamily="49" charset="-127"/>
                 <a:ea typeface="돋움체" panose="020B0609000101010101" pitchFamily="49" charset="-127"/>
               </a:rPr>
@@ -6137,9 +5624,6 @@
                 <a:solidFill>
                   <a:srgbClr val="2B91AF"/>
                 </a:solidFill>
-                <a:highlight>
-                  <a:srgbClr val="FFFFFF"/>
-                </a:highlight>
                 <a:latin typeface="돋움체" panose="020B0609000101010101" pitchFamily="49" charset="-127"/>
                 <a:ea typeface="돋움체" panose="020B0609000101010101" pitchFamily="49" charset="-127"/>
               </a:rPr>
@@ -6150,9 +5634,6 @@
                 <a:solidFill>
                   <a:srgbClr val="000000"/>
                 </a:solidFill>
-                <a:highlight>
-                  <a:srgbClr val="FFFFFF"/>
-                </a:highlight>
                 <a:latin typeface="돋움체" panose="020B0609000101010101" pitchFamily="49" charset="-127"/>
                 <a:ea typeface="돋움체" panose="020B0609000101010101" pitchFamily="49" charset="-127"/>
               </a:rPr>
@@ -6163,9 +5644,6 @@
                 <a:solidFill>
                   <a:srgbClr val="000000"/>
                 </a:solidFill>
-                <a:highlight>
-                  <a:srgbClr val="FFFFFF"/>
-                </a:highlight>
                 <a:latin typeface="돋움체" panose="020B0609000101010101" pitchFamily="49" charset="-127"/>
                 <a:ea typeface="돋움체" panose="020B0609000101010101" pitchFamily="49" charset="-127"/>
               </a:rPr>
@@ -6178,9 +5656,6 @@
                 <a:solidFill>
                   <a:srgbClr val="000000"/>
                 </a:solidFill>
-                <a:highlight>
-                  <a:srgbClr val="FFFFFF"/>
-                </a:highlight>
                 <a:latin typeface="돋움체" panose="020B0609000101010101" pitchFamily="49" charset="-127"/>
                 <a:ea typeface="돋움체" panose="020B0609000101010101" pitchFamily="49" charset="-127"/>
               </a:rPr>
@@ -6191,9 +5666,6 @@
                 <a:solidFill>
                   <a:srgbClr val="0000FF"/>
                 </a:solidFill>
-                <a:highlight>
-                  <a:srgbClr val="FFFFFF"/>
-                </a:highlight>
                 <a:latin typeface="돋움체" panose="020B0609000101010101" pitchFamily="49" charset="-127"/>
                 <a:ea typeface="돋움체" panose="020B0609000101010101" pitchFamily="49" charset="-127"/>
               </a:rPr>
@@ -6204,9 +5676,6 @@
                 <a:solidFill>
                   <a:srgbClr val="000000"/>
                 </a:solidFill>
-                <a:highlight>
-                  <a:srgbClr val="FFFFFF"/>
-                </a:highlight>
                 <a:latin typeface="돋움체" panose="020B0609000101010101" pitchFamily="49" charset="-127"/>
                 <a:ea typeface="돋움체" panose="020B0609000101010101" pitchFamily="49" charset="-127"/>
               </a:rPr>
@@ -6217,9 +5686,6 @@
                 <a:solidFill>
                   <a:srgbClr val="0000FF"/>
                 </a:solidFill>
-                <a:highlight>
-                  <a:srgbClr val="FFFFFF"/>
-                </a:highlight>
                 <a:latin typeface="돋움체" panose="020B0609000101010101" pitchFamily="49" charset="-127"/>
                 <a:ea typeface="돋움체" panose="020B0609000101010101" pitchFamily="49" charset="-127"/>
               </a:rPr>
@@ -6230,9 +5696,6 @@
                 <a:solidFill>
                   <a:srgbClr val="000000"/>
                 </a:solidFill>
-                <a:highlight>
-                  <a:srgbClr val="FFFFFF"/>
-                </a:highlight>
                 <a:latin typeface="돋움체" panose="020B0609000101010101" pitchFamily="49" charset="-127"/>
                 <a:ea typeface="돋움체" panose="020B0609000101010101" pitchFamily="49" charset="-127"/>
               </a:rPr>
@@ -6245,9 +5708,6 @@
                 <a:solidFill>
                   <a:srgbClr val="000000"/>
                 </a:solidFill>
-                <a:highlight>
-                  <a:srgbClr val="FFFFFF"/>
-                </a:highlight>
                 <a:latin typeface="돋움체" panose="020B0609000101010101" pitchFamily="49" charset="-127"/>
                 <a:ea typeface="돋움체" panose="020B0609000101010101" pitchFamily="49" charset="-127"/>
               </a:rPr>
@@ -6258,9 +5718,6 @@
                 <a:solidFill>
                   <a:srgbClr val="000000"/>
                 </a:solidFill>
-                <a:highlight>
-                  <a:srgbClr val="FFFFFF"/>
-                </a:highlight>
                 <a:latin typeface="돋움체" panose="020B0609000101010101" pitchFamily="49" charset="-127"/>
                 <a:ea typeface="돋움체" panose="020B0609000101010101" pitchFamily="49" charset="-127"/>
               </a:rPr>
@@ -6273,9 +5730,6 @@
                 <a:solidFill>
                   <a:srgbClr val="000000"/>
                 </a:solidFill>
-                <a:highlight>
-                  <a:srgbClr val="FFFFFF"/>
-                </a:highlight>
                 <a:latin typeface="돋움체" panose="020B0609000101010101" pitchFamily="49" charset="-127"/>
                 <a:ea typeface="돋움체" panose="020B0609000101010101" pitchFamily="49" charset="-127"/>
               </a:rPr>
@@ -6286,9 +5740,6 @@
                 <a:solidFill>
                   <a:srgbClr val="0000FF"/>
                 </a:solidFill>
-                <a:highlight>
-                  <a:srgbClr val="FFFFFF"/>
-                </a:highlight>
                 <a:latin typeface="돋움체" panose="020B0609000101010101" pitchFamily="49" charset="-127"/>
                 <a:ea typeface="돋움체" panose="020B0609000101010101" pitchFamily="49" charset="-127"/>
               </a:rPr>
@@ -6299,9 +5750,6 @@
                 <a:solidFill>
                   <a:srgbClr val="000000"/>
                 </a:solidFill>
-                <a:highlight>
-                  <a:srgbClr val="FFFFFF"/>
-                </a:highlight>
                 <a:latin typeface="돋움체" panose="020B0609000101010101" pitchFamily="49" charset="-127"/>
                 <a:ea typeface="돋움체" panose="020B0609000101010101" pitchFamily="49" charset="-127"/>
               </a:rPr>
@@ -6312,9 +5760,6 @@
                 <a:solidFill>
                   <a:srgbClr val="000000"/>
                 </a:solidFill>
-                <a:highlight>
-                  <a:srgbClr val="FFFFFF"/>
-                </a:highlight>
                 <a:latin typeface="돋움체" panose="020B0609000101010101" pitchFamily="49" charset="-127"/>
                 <a:ea typeface="돋움체" panose="020B0609000101010101" pitchFamily="49" charset="-127"/>
               </a:rPr>
@@ -6325,9 +5770,6 @@
                 <a:solidFill>
                   <a:srgbClr val="000000"/>
                 </a:solidFill>
-                <a:highlight>
-                  <a:srgbClr val="FFFFFF"/>
-                </a:highlight>
                 <a:latin typeface="돋움체" panose="020B0609000101010101" pitchFamily="49" charset="-127"/>
                 <a:ea typeface="돋움체" panose="020B0609000101010101" pitchFamily="49" charset="-127"/>
               </a:rPr>
@@ -6338,9 +5780,6 @@
                 <a:solidFill>
                   <a:srgbClr val="000000"/>
                 </a:solidFill>
-                <a:highlight>
-                  <a:srgbClr val="FFFFFF"/>
-                </a:highlight>
                 <a:latin typeface="돋움체" panose="020B0609000101010101" pitchFamily="49" charset="-127"/>
                 <a:ea typeface="돋움체" panose="020B0609000101010101" pitchFamily="49" charset="-127"/>
               </a:rPr>
@@ -6351,9 +5790,6 @@
                 <a:solidFill>
                   <a:srgbClr val="000000"/>
                 </a:solidFill>
-                <a:highlight>
-                  <a:srgbClr val="FFFFFF"/>
-                </a:highlight>
                 <a:latin typeface="돋움체" panose="020B0609000101010101" pitchFamily="49" charset="-127"/>
                 <a:ea typeface="돋움체" panose="020B0609000101010101" pitchFamily="49" charset="-127"/>
               </a:rPr>
@@ -6364,9 +5800,6 @@
                 <a:solidFill>
                   <a:srgbClr val="000000"/>
                 </a:solidFill>
-                <a:highlight>
-                  <a:srgbClr val="FFFFFF"/>
-                </a:highlight>
                 <a:latin typeface="돋움체" panose="020B0609000101010101" pitchFamily="49" charset="-127"/>
                 <a:ea typeface="돋움체" panose="020B0609000101010101" pitchFamily="49" charset="-127"/>
               </a:rPr>
@@ -6377,9 +5810,6 @@
                 <a:solidFill>
                   <a:srgbClr val="000000"/>
                 </a:solidFill>
-                <a:highlight>
-                  <a:srgbClr val="FFFFFF"/>
-                </a:highlight>
                 <a:latin typeface="돋움체" panose="020B0609000101010101" pitchFamily="49" charset="-127"/>
                 <a:ea typeface="돋움체" panose="020B0609000101010101" pitchFamily="49" charset="-127"/>
               </a:rPr>
@@ -6390,9 +5820,6 @@
                 <a:solidFill>
                   <a:srgbClr val="0000FF"/>
                 </a:solidFill>
-                <a:highlight>
-                  <a:srgbClr val="FFFFFF"/>
-                </a:highlight>
                 <a:latin typeface="돋움체" panose="020B0609000101010101" pitchFamily="49" charset="-127"/>
                 <a:ea typeface="돋움체" panose="020B0609000101010101" pitchFamily="49" charset="-127"/>
               </a:rPr>
@@ -6403,9 +5830,6 @@
                 <a:solidFill>
                   <a:srgbClr val="000000"/>
                 </a:solidFill>
-                <a:highlight>
-                  <a:srgbClr val="FFFFFF"/>
-                </a:highlight>
                 <a:latin typeface="돋움체" panose="020B0609000101010101" pitchFamily="49" charset="-127"/>
                 <a:ea typeface="돋움체" panose="020B0609000101010101" pitchFamily="49" charset="-127"/>
               </a:rPr>
@@ -6416,9 +5840,6 @@
                 <a:solidFill>
                   <a:srgbClr val="000000"/>
                 </a:solidFill>
-                <a:highlight>
-                  <a:srgbClr val="FFFFFF"/>
-                </a:highlight>
                 <a:latin typeface="돋움체" panose="020B0609000101010101" pitchFamily="49" charset="-127"/>
                 <a:ea typeface="돋움체" panose="020B0609000101010101" pitchFamily="49" charset="-127"/>
               </a:rPr>
@@ -6429,9 +5850,6 @@
                 <a:solidFill>
                   <a:srgbClr val="000000"/>
                 </a:solidFill>
-                <a:highlight>
-                  <a:srgbClr val="FFFFFF"/>
-                </a:highlight>
                 <a:latin typeface="돋움체" panose="020B0609000101010101" pitchFamily="49" charset="-127"/>
                 <a:ea typeface="돋움체" panose="020B0609000101010101" pitchFamily="49" charset="-127"/>
               </a:rPr>
@@ -6442,9 +5860,6 @@
                 <a:solidFill>
                   <a:srgbClr val="000000"/>
                 </a:solidFill>
-                <a:highlight>
-                  <a:srgbClr val="FFFFFF"/>
-                </a:highlight>
                 <a:latin typeface="돋움체" panose="020B0609000101010101" pitchFamily="49" charset="-127"/>
                 <a:ea typeface="돋움체" panose="020B0609000101010101" pitchFamily="49" charset="-127"/>
               </a:rPr>
@@ -6455,9 +5870,6 @@
                 <a:solidFill>
                   <a:srgbClr val="000000"/>
                 </a:solidFill>
-                <a:highlight>
-                  <a:srgbClr val="FFFFFF"/>
-                </a:highlight>
                 <a:latin typeface="돋움체" panose="020B0609000101010101" pitchFamily="49" charset="-127"/>
                 <a:ea typeface="돋움체" panose="020B0609000101010101" pitchFamily="49" charset="-127"/>
               </a:rPr>
@@ -6470,9 +5882,6 @@
                 <a:solidFill>
                   <a:srgbClr val="000000"/>
                 </a:solidFill>
-                <a:highlight>
-                  <a:srgbClr val="FFFFFF"/>
-                </a:highlight>
                 <a:latin typeface="돋움체" panose="020B0609000101010101" pitchFamily="49" charset="-127"/>
                 <a:ea typeface="돋움체" panose="020B0609000101010101" pitchFamily="49" charset="-127"/>
               </a:rPr>
@@ -6483,9 +5892,6 @@
                 <a:solidFill>
                   <a:srgbClr val="0000FF"/>
                 </a:solidFill>
-                <a:highlight>
-                  <a:srgbClr val="FFFFFF"/>
-                </a:highlight>
                 <a:latin typeface="돋움체" panose="020B0609000101010101" pitchFamily="49" charset="-127"/>
                 <a:ea typeface="돋움체" panose="020B0609000101010101" pitchFamily="49" charset="-127"/>
               </a:rPr>
@@ -6496,9 +5902,6 @@
                 <a:solidFill>
                   <a:srgbClr val="000000"/>
                 </a:solidFill>
-                <a:highlight>
-                  <a:srgbClr val="FFFFFF"/>
-                </a:highlight>
                 <a:latin typeface="돋움체" panose="020B0609000101010101" pitchFamily="49" charset="-127"/>
                 <a:ea typeface="돋움체" panose="020B0609000101010101" pitchFamily="49" charset="-127"/>
               </a:rPr>
@@ -6509,9 +5912,6 @@
                 <a:solidFill>
                   <a:srgbClr val="000000"/>
                 </a:solidFill>
-                <a:highlight>
-                  <a:srgbClr val="FFFFFF"/>
-                </a:highlight>
                 <a:latin typeface="돋움체" panose="020B0609000101010101" pitchFamily="49" charset="-127"/>
                 <a:ea typeface="돋움체" panose="020B0609000101010101" pitchFamily="49" charset="-127"/>
               </a:rPr>
@@ -6522,9 +5922,6 @@
                 <a:solidFill>
                   <a:srgbClr val="000000"/>
                 </a:solidFill>
-                <a:highlight>
-                  <a:srgbClr val="FFFFFF"/>
-                </a:highlight>
                 <a:latin typeface="돋움체" panose="020B0609000101010101" pitchFamily="49" charset="-127"/>
                 <a:ea typeface="돋움체" panose="020B0609000101010101" pitchFamily="49" charset="-127"/>
               </a:rPr>
@@ -6535,9 +5932,6 @@
                 <a:solidFill>
                   <a:srgbClr val="000000"/>
                 </a:solidFill>
-                <a:highlight>
-                  <a:srgbClr val="FFFFFF"/>
-                </a:highlight>
                 <a:latin typeface="돋움체" panose="020B0609000101010101" pitchFamily="49" charset="-127"/>
                 <a:ea typeface="돋움체" panose="020B0609000101010101" pitchFamily="49" charset="-127"/>
               </a:rPr>
@@ -6548,9 +5942,6 @@
                 <a:solidFill>
                   <a:srgbClr val="000000"/>
                 </a:solidFill>
-                <a:highlight>
-                  <a:srgbClr val="FFFFFF"/>
-                </a:highlight>
                 <a:latin typeface="돋움체" panose="020B0609000101010101" pitchFamily="49" charset="-127"/>
                 <a:ea typeface="돋움체" panose="020B0609000101010101" pitchFamily="49" charset="-127"/>
               </a:rPr>
@@ -6561,9 +5952,6 @@
                 <a:solidFill>
                   <a:srgbClr val="0000FF"/>
                 </a:solidFill>
-                <a:highlight>
-                  <a:srgbClr val="FFFFFF"/>
-                </a:highlight>
                 <a:latin typeface="돋움체" panose="020B0609000101010101" pitchFamily="49" charset="-127"/>
                 <a:ea typeface="돋움체" panose="020B0609000101010101" pitchFamily="49" charset="-127"/>
               </a:rPr>
@@ -6574,9 +5962,6 @@
                 <a:solidFill>
                   <a:srgbClr val="000000"/>
                 </a:solidFill>
-                <a:highlight>
-                  <a:srgbClr val="FFFFFF"/>
-                </a:highlight>
                 <a:latin typeface="돋움체" panose="020B0609000101010101" pitchFamily="49" charset="-127"/>
                 <a:ea typeface="돋움체" panose="020B0609000101010101" pitchFamily="49" charset="-127"/>
               </a:rPr>
@@ -6589,9 +5974,6 @@
                 <a:solidFill>
                   <a:srgbClr val="000000"/>
                 </a:solidFill>
-                <a:highlight>
-                  <a:srgbClr val="FFFFFF"/>
-                </a:highlight>
                 <a:latin typeface="돋움체" panose="020B0609000101010101" pitchFamily="49" charset="-127"/>
                 <a:ea typeface="돋움체" panose="020B0609000101010101" pitchFamily="49" charset="-127"/>
               </a:rPr>
@@ -6602,9 +5984,6 @@
                 <a:solidFill>
                   <a:srgbClr val="0000FF"/>
                 </a:solidFill>
-                <a:highlight>
-                  <a:srgbClr val="FFFFFF"/>
-                </a:highlight>
                 <a:latin typeface="돋움체" panose="020B0609000101010101" pitchFamily="49" charset="-127"/>
                 <a:ea typeface="돋움체" panose="020B0609000101010101" pitchFamily="49" charset="-127"/>
               </a:rPr>
@@ -6615,9 +5994,6 @@
                 <a:solidFill>
                   <a:srgbClr val="000000"/>
                 </a:solidFill>
-                <a:highlight>
-                  <a:srgbClr val="FFFFFF"/>
-                </a:highlight>
                 <a:latin typeface="돋움체" panose="020B0609000101010101" pitchFamily="49" charset="-127"/>
                 <a:ea typeface="돋움체" panose="020B0609000101010101" pitchFamily="49" charset="-127"/>
               </a:rPr>
@@ -6628,9 +6004,6 @@
                 <a:solidFill>
                   <a:srgbClr val="000000"/>
                 </a:solidFill>
-                <a:highlight>
-                  <a:srgbClr val="FFFFFF"/>
-                </a:highlight>
                 <a:latin typeface="돋움체" panose="020B0609000101010101" pitchFamily="49" charset="-127"/>
                 <a:ea typeface="돋움체" panose="020B0609000101010101" pitchFamily="49" charset="-127"/>
               </a:rPr>
@@ -6641,9 +6014,6 @@
                 <a:solidFill>
                   <a:srgbClr val="000000"/>
                 </a:solidFill>
-                <a:highlight>
-                  <a:srgbClr val="FFFFFF"/>
-                </a:highlight>
                 <a:latin typeface="돋움체" panose="020B0609000101010101" pitchFamily="49" charset="-127"/>
                 <a:ea typeface="돋움체" panose="020B0609000101010101" pitchFamily="49" charset="-127"/>
               </a:rPr>
@@ -6654,9 +6024,6 @@
                 <a:solidFill>
                   <a:srgbClr val="000000"/>
                 </a:solidFill>
-                <a:highlight>
-                  <a:srgbClr val="FFFFFF"/>
-                </a:highlight>
                 <a:latin typeface="돋움체" panose="020B0609000101010101" pitchFamily="49" charset="-127"/>
                 <a:ea typeface="돋움체" panose="020B0609000101010101" pitchFamily="49" charset="-127"/>
               </a:rPr>
@@ -6667,9 +6034,6 @@
                 <a:solidFill>
                   <a:srgbClr val="000000"/>
                 </a:solidFill>
-                <a:highlight>
-                  <a:srgbClr val="FFFFFF"/>
-                </a:highlight>
                 <a:latin typeface="돋움체" panose="020B0609000101010101" pitchFamily="49" charset="-127"/>
                 <a:ea typeface="돋움체" panose="020B0609000101010101" pitchFamily="49" charset="-127"/>
               </a:rPr>
@@ -6680,9 +6044,6 @@
                 <a:solidFill>
                   <a:srgbClr val="000000"/>
                 </a:solidFill>
-                <a:highlight>
-                  <a:srgbClr val="FFFFFF"/>
-                </a:highlight>
                 <a:latin typeface="돋움체" panose="020B0609000101010101" pitchFamily="49" charset="-127"/>
                 <a:ea typeface="돋움체" panose="020B0609000101010101" pitchFamily="49" charset="-127"/>
               </a:rPr>
@@ -6693,9 +6054,6 @@
                 <a:solidFill>
                   <a:srgbClr val="000000"/>
                 </a:solidFill>
-                <a:highlight>
-                  <a:srgbClr val="FFFFFF"/>
-                </a:highlight>
                 <a:latin typeface="돋움체" panose="020B0609000101010101" pitchFamily="49" charset="-127"/>
                 <a:ea typeface="돋움체" panose="020B0609000101010101" pitchFamily="49" charset="-127"/>
               </a:rPr>
@@ -6706,9 +6064,6 @@
                 <a:solidFill>
                   <a:srgbClr val="000000"/>
                 </a:solidFill>
-                <a:highlight>
-                  <a:srgbClr val="FFFFFF"/>
-                </a:highlight>
                 <a:latin typeface="돋움체" panose="020B0609000101010101" pitchFamily="49" charset="-127"/>
                 <a:ea typeface="돋움체" panose="020B0609000101010101" pitchFamily="49" charset="-127"/>
               </a:rPr>
@@ -6719,9 +6074,6 @@
                 <a:solidFill>
                   <a:srgbClr val="000000"/>
                 </a:solidFill>
-                <a:highlight>
-                  <a:srgbClr val="FFFFFF"/>
-                </a:highlight>
                 <a:latin typeface="돋움체" panose="020B0609000101010101" pitchFamily="49" charset="-127"/>
                 <a:ea typeface="돋움체" panose="020B0609000101010101" pitchFamily="49" charset="-127"/>
               </a:rPr>
@@ -6734,9 +6086,6 @@
                 <a:solidFill>
                   <a:srgbClr val="000000"/>
                 </a:solidFill>
-                <a:highlight>
-                  <a:srgbClr val="FFFFFF"/>
-                </a:highlight>
                 <a:latin typeface="돋움체" panose="020B0609000101010101" pitchFamily="49" charset="-127"/>
                 <a:ea typeface="돋움체" panose="020B0609000101010101" pitchFamily="49" charset="-127"/>
               </a:rPr>
@@ -6747,9 +6096,6 @@
                 <a:solidFill>
                   <a:srgbClr val="0000FF"/>
                 </a:solidFill>
-                <a:highlight>
-                  <a:srgbClr val="FFFFFF"/>
-                </a:highlight>
                 <a:latin typeface="돋움체" panose="020B0609000101010101" pitchFamily="49" charset="-127"/>
                 <a:ea typeface="돋움체" panose="020B0609000101010101" pitchFamily="49" charset="-127"/>
               </a:rPr>
@@ -6760,9 +6106,6 @@
                 <a:solidFill>
                   <a:srgbClr val="000000"/>
                 </a:solidFill>
-                <a:highlight>
-                  <a:srgbClr val="FFFFFF"/>
-                </a:highlight>
                 <a:latin typeface="돋움체" panose="020B0609000101010101" pitchFamily="49" charset="-127"/>
                 <a:ea typeface="돋움체" panose="020B0609000101010101" pitchFamily="49" charset="-127"/>
               </a:rPr>
@@ -6773,9 +6116,6 @@
                 <a:solidFill>
                   <a:srgbClr val="2B91AF"/>
                 </a:solidFill>
-                <a:highlight>
-                  <a:srgbClr val="FFFFFF"/>
-                </a:highlight>
                 <a:latin typeface="돋움체" panose="020B0609000101010101" pitchFamily="49" charset="-127"/>
                 <a:ea typeface="돋움체" panose="020B0609000101010101" pitchFamily="49" charset="-127"/>
               </a:rPr>
@@ -6786,9 +6126,6 @@
                 <a:solidFill>
                   <a:srgbClr val="000000"/>
                 </a:solidFill>
-                <a:highlight>
-                  <a:srgbClr val="FFFFFF"/>
-                </a:highlight>
                 <a:latin typeface="돋움체" panose="020B0609000101010101" pitchFamily="49" charset="-127"/>
                 <a:ea typeface="돋움체" panose="020B0609000101010101" pitchFamily="49" charset="-127"/>
               </a:rPr>
@@ -6799,9 +6136,6 @@
                 <a:solidFill>
                   <a:srgbClr val="000000"/>
                 </a:solidFill>
-                <a:highlight>
-                  <a:srgbClr val="FFFFFF"/>
-                </a:highlight>
                 <a:latin typeface="돋움체" panose="020B0609000101010101" pitchFamily="49" charset="-127"/>
                 <a:ea typeface="돋움체" panose="020B0609000101010101" pitchFamily="49" charset="-127"/>
               </a:rPr>
@@ -6812,9 +6146,6 @@
                 <a:solidFill>
                   <a:srgbClr val="000000"/>
                 </a:solidFill>
-                <a:highlight>
-                  <a:srgbClr val="FFFFFF"/>
-                </a:highlight>
                 <a:latin typeface="돋움체" panose="020B0609000101010101" pitchFamily="49" charset="-127"/>
                 <a:ea typeface="돋움체" panose="020B0609000101010101" pitchFamily="49" charset="-127"/>
               </a:rPr>
@@ -6827,9 +6158,6 @@
                 <a:solidFill>
                   <a:srgbClr val="000000"/>
                 </a:solidFill>
-                <a:highlight>
-                  <a:srgbClr val="FFFFFF"/>
-                </a:highlight>
                 <a:latin typeface="돋움체" panose="020B0609000101010101" pitchFamily="49" charset="-127"/>
                 <a:ea typeface="돋움체" panose="020B0609000101010101" pitchFamily="49" charset="-127"/>
               </a:rPr>
@@ -6840,9 +6168,6 @@
                 <a:solidFill>
                   <a:srgbClr val="0000FF"/>
                 </a:solidFill>
-                <a:highlight>
-                  <a:srgbClr val="FFFFFF"/>
-                </a:highlight>
                 <a:latin typeface="돋움체" panose="020B0609000101010101" pitchFamily="49" charset="-127"/>
                 <a:ea typeface="돋움체" panose="020B0609000101010101" pitchFamily="49" charset="-127"/>
               </a:rPr>
@@ -6853,9 +6178,6 @@
                 <a:solidFill>
                   <a:srgbClr val="000000"/>
                 </a:solidFill>
-                <a:highlight>
-                  <a:srgbClr val="FFFFFF"/>
-                </a:highlight>
                 <a:latin typeface="돋움체" panose="020B0609000101010101" pitchFamily="49" charset="-127"/>
                 <a:ea typeface="돋움체" panose="020B0609000101010101" pitchFamily="49" charset="-127"/>
               </a:rPr>
@@ -6866,9 +6188,6 @@
                 <a:solidFill>
                   <a:srgbClr val="000000"/>
                 </a:solidFill>
-                <a:highlight>
-                  <a:srgbClr val="FFFFFF"/>
-                </a:highlight>
                 <a:latin typeface="돋움체" panose="020B0609000101010101" pitchFamily="49" charset="-127"/>
                 <a:ea typeface="돋움체" panose="020B0609000101010101" pitchFamily="49" charset="-127"/>
               </a:rPr>
@@ -6879,9 +6198,6 @@
                 <a:solidFill>
                   <a:srgbClr val="000000"/>
                 </a:solidFill>
-                <a:highlight>
-                  <a:srgbClr val="FFFFFF"/>
-                </a:highlight>
                 <a:latin typeface="돋움체" panose="020B0609000101010101" pitchFamily="49" charset="-127"/>
                 <a:ea typeface="돋움체" panose="020B0609000101010101" pitchFamily="49" charset="-127"/>
               </a:rPr>
@@ -6892,9 +6208,6 @@
                 <a:solidFill>
                   <a:srgbClr val="2B91AF"/>
                 </a:solidFill>
-                <a:highlight>
-                  <a:srgbClr val="FFFFFF"/>
-                </a:highlight>
                 <a:latin typeface="돋움체" panose="020B0609000101010101" pitchFamily="49" charset="-127"/>
                 <a:ea typeface="돋움체" panose="020B0609000101010101" pitchFamily="49" charset="-127"/>
               </a:rPr>
@@ -6905,9 +6218,6 @@
                 <a:solidFill>
                   <a:srgbClr val="000000"/>
                 </a:solidFill>
-                <a:highlight>
-                  <a:srgbClr val="FFFFFF"/>
-                </a:highlight>
                 <a:latin typeface="돋움체" panose="020B0609000101010101" pitchFamily="49" charset="-127"/>
                 <a:ea typeface="돋움체" panose="020B0609000101010101" pitchFamily="49" charset="-127"/>
               </a:rPr>
@@ -6918,9 +6228,6 @@
                 <a:solidFill>
                   <a:srgbClr val="000000"/>
                 </a:solidFill>
-                <a:highlight>
-                  <a:srgbClr val="FFFFFF"/>
-                </a:highlight>
                 <a:latin typeface="돋움체" panose="020B0609000101010101" pitchFamily="49" charset="-127"/>
                 <a:ea typeface="돋움체" panose="020B0609000101010101" pitchFamily="49" charset="-127"/>
               </a:rPr>
@@ -6933,9 +6240,6 @@
                 <a:solidFill>
                   <a:srgbClr val="000000"/>
                 </a:solidFill>
-                <a:highlight>
-                  <a:srgbClr val="FFFFFF"/>
-                </a:highlight>
                 <a:latin typeface="돋움체" panose="020B0609000101010101" pitchFamily="49" charset="-127"/>
                 <a:ea typeface="돋움체" panose="020B0609000101010101" pitchFamily="49" charset="-127"/>
               </a:rPr>
@@ -6946,9 +6250,6 @@
                 <a:solidFill>
                   <a:srgbClr val="000000"/>
                 </a:solidFill>
-                <a:highlight>
-                  <a:srgbClr val="FFFFFF"/>
-                </a:highlight>
                 <a:latin typeface="돋움체" panose="020B0609000101010101" pitchFamily="49" charset="-127"/>
                 <a:ea typeface="돋움체" panose="020B0609000101010101" pitchFamily="49" charset="-127"/>
               </a:rPr>
@@ -6959,9 +6260,6 @@
                 <a:solidFill>
                   <a:srgbClr val="000000"/>
                 </a:solidFill>
-                <a:highlight>
-                  <a:srgbClr val="FFFFFF"/>
-                </a:highlight>
                 <a:latin typeface="돋움체" panose="020B0609000101010101" pitchFamily="49" charset="-127"/>
                 <a:ea typeface="돋움체" panose="020B0609000101010101" pitchFamily="49" charset="-127"/>
               </a:rPr>
@@ -6972,9 +6270,6 @@
                 <a:solidFill>
                   <a:srgbClr val="000000"/>
                 </a:solidFill>
-                <a:highlight>
-                  <a:srgbClr val="FFFFFF"/>
-                </a:highlight>
                 <a:latin typeface="돋움체" panose="020B0609000101010101" pitchFamily="49" charset="-127"/>
                 <a:ea typeface="돋움체" panose="020B0609000101010101" pitchFamily="49" charset="-127"/>
               </a:rPr>
@@ -6985,9 +6280,6 @@
                 <a:solidFill>
                   <a:srgbClr val="000000"/>
                 </a:solidFill>
-                <a:highlight>
-                  <a:srgbClr val="FFFFFF"/>
-                </a:highlight>
                 <a:latin typeface="돋움체" panose="020B0609000101010101" pitchFamily="49" charset="-127"/>
                 <a:ea typeface="돋움체" panose="020B0609000101010101" pitchFamily="49" charset="-127"/>
               </a:rPr>
@@ -6998,9 +6290,6 @@
                 <a:solidFill>
                   <a:srgbClr val="000000"/>
                 </a:solidFill>
-                <a:highlight>
-                  <a:srgbClr val="FFFFFF"/>
-                </a:highlight>
                 <a:latin typeface="돋움체" panose="020B0609000101010101" pitchFamily="49" charset="-127"/>
                 <a:ea typeface="돋움체" panose="020B0609000101010101" pitchFamily="49" charset="-127"/>
               </a:rPr>
@@ -7011,9 +6300,6 @@
                 <a:solidFill>
                   <a:srgbClr val="000000"/>
                 </a:solidFill>
-                <a:highlight>
-                  <a:srgbClr val="FFFFFF"/>
-                </a:highlight>
                 <a:latin typeface="돋움체" panose="020B0609000101010101" pitchFamily="49" charset="-127"/>
                 <a:ea typeface="돋움체" panose="020B0609000101010101" pitchFamily="49" charset="-127"/>
               </a:rPr>
@@ -7024,9 +6310,6 @@
                 <a:solidFill>
                   <a:srgbClr val="2B91AF"/>
                 </a:solidFill>
-                <a:highlight>
-                  <a:srgbClr val="FFFFFF"/>
-                </a:highlight>
                 <a:latin typeface="돋움체" panose="020B0609000101010101" pitchFamily="49" charset="-127"/>
                 <a:ea typeface="돋움체" panose="020B0609000101010101" pitchFamily="49" charset="-127"/>
               </a:rPr>
@@ -7037,9 +6320,6 @@
                 <a:solidFill>
                   <a:srgbClr val="000000"/>
                 </a:solidFill>
-                <a:highlight>
-                  <a:srgbClr val="FFFFFF"/>
-                </a:highlight>
                 <a:latin typeface="돋움체" panose="020B0609000101010101" pitchFamily="49" charset="-127"/>
                 <a:ea typeface="돋움체" panose="020B0609000101010101" pitchFamily="49" charset="-127"/>
               </a:rPr>
@@ -7050,9 +6330,6 @@
                 <a:solidFill>
                   <a:srgbClr val="000000"/>
                 </a:solidFill>
-                <a:highlight>
-                  <a:srgbClr val="FFFFFF"/>
-                </a:highlight>
                 <a:latin typeface="돋움체" panose="020B0609000101010101" pitchFamily="49" charset="-127"/>
                 <a:ea typeface="돋움체" panose="020B0609000101010101" pitchFamily="49" charset="-127"/>
               </a:rPr>
@@ -7063,9 +6340,6 @@
                 <a:solidFill>
                   <a:srgbClr val="000000"/>
                 </a:solidFill>
-                <a:highlight>
-                  <a:srgbClr val="FFFFFF"/>
-                </a:highlight>
                 <a:latin typeface="돋움체" panose="020B0609000101010101" pitchFamily="49" charset="-127"/>
                 <a:ea typeface="돋움체" panose="020B0609000101010101" pitchFamily="49" charset="-127"/>
               </a:rPr>
@@ -7076,9 +6350,6 @@
                 <a:solidFill>
                   <a:srgbClr val="000000"/>
                 </a:solidFill>
-                <a:highlight>
-                  <a:srgbClr val="FFFFFF"/>
-                </a:highlight>
                 <a:latin typeface="돋움체" panose="020B0609000101010101" pitchFamily="49" charset="-127"/>
                 <a:ea typeface="돋움체" panose="020B0609000101010101" pitchFamily="49" charset="-127"/>
               </a:rPr>
@@ -7089,9 +6360,6 @@
                 <a:solidFill>
                   <a:srgbClr val="000000"/>
                 </a:solidFill>
-                <a:highlight>
-                  <a:srgbClr val="FFFFFF"/>
-                </a:highlight>
                 <a:latin typeface="돋움체" panose="020B0609000101010101" pitchFamily="49" charset="-127"/>
                 <a:ea typeface="돋움체" panose="020B0609000101010101" pitchFamily="49" charset="-127"/>
               </a:rPr>
@@ -7102,9 +6370,6 @@
                 <a:solidFill>
                   <a:srgbClr val="000000"/>
                 </a:solidFill>
-                <a:highlight>
-                  <a:srgbClr val="FFFFFF"/>
-                </a:highlight>
                 <a:latin typeface="돋움체" panose="020B0609000101010101" pitchFamily="49" charset="-127"/>
                 <a:ea typeface="돋움체" panose="020B0609000101010101" pitchFamily="49" charset="-127"/>
               </a:rPr>
@@ -7115,9 +6380,6 @@
                 <a:solidFill>
                   <a:srgbClr val="000000"/>
                 </a:solidFill>
-                <a:highlight>
-                  <a:srgbClr val="FFFFFF"/>
-                </a:highlight>
                 <a:latin typeface="돋움체" panose="020B0609000101010101" pitchFamily="49" charset="-127"/>
                 <a:ea typeface="돋움체" panose="020B0609000101010101" pitchFamily="49" charset="-127"/>
               </a:rPr>
@@ -7130,9 +6392,6 @@
                 <a:solidFill>
                   <a:srgbClr val="000000"/>
                 </a:solidFill>
-                <a:highlight>
-                  <a:srgbClr val="FFFFFF"/>
-                </a:highlight>
                 <a:latin typeface="돋움체" panose="020B0609000101010101" pitchFamily="49" charset="-127"/>
                 <a:ea typeface="돋움체" panose="020B0609000101010101" pitchFamily="49" charset="-127"/>
               </a:rPr>
@@ -7143,9 +6402,6 @@
                 <a:solidFill>
                   <a:srgbClr val="0000FF"/>
                 </a:solidFill>
-                <a:highlight>
-                  <a:srgbClr val="FFFFFF"/>
-                </a:highlight>
                 <a:latin typeface="돋움체" panose="020B0609000101010101" pitchFamily="49" charset="-127"/>
                 <a:ea typeface="돋움체" panose="020B0609000101010101" pitchFamily="49" charset="-127"/>
               </a:rPr>
@@ -7156,9 +6412,6 @@
                 <a:solidFill>
                   <a:srgbClr val="000000"/>
                 </a:solidFill>
-                <a:highlight>
-                  <a:srgbClr val="FFFFFF"/>
-                </a:highlight>
                 <a:latin typeface="돋움체" panose="020B0609000101010101" pitchFamily="49" charset="-127"/>
                 <a:ea typeface="돋움체" panose="020B0609000101010101" pitchFamily="49" charset="-127"/>
               </a:rPr>
@@ -7169,9 +6422,6 @@
                 <a:solidFill>
                   <a:srgbClr val="000000"/>
                 </a:solidFill>
-                <a:highlight>
-                  <a:srgbClr val="FFFFFF"/>
-                </a:highlight>
                 <a:latin typeface="돋움체" panose="020B0609000101010101" pitchFamily="49" charset="-127"/>
                 <a:ea typeface="돋움체" panose="020B0609000101010101" pitchFamily="49" charset="-127"/>
               </a:rPr>
@@ -7182,9 +6432,6 @@
                 <a:solidFill>
                   <a:srgbClr val="000000"/>
                 </a:solidFill>
-                <a:highlight>
-                  <a:srgbClr val="FFFFFF"/>
-                </a:highlight>
                 <a:latin typeface="돋움체" panose="020B0609000101010101" pitchFamily="49" charset="-127"/>
                 <a:ea typeface="돋움체" panose="020B0609000101010101" pitchFamily="49" charset="-127"/>
               </a:rPr>
@@ -7195,9 +6442,6 @@
                 <a:solidFill>
                   <a:srgbClr val="2B91AF"/>
                 </a:solidFill>
-                <a:highlight>
-                  <a:srgbClr val="FFFFFF"/>
-                </a:highlight>
                 <a:latin typeface="돋움체" panose="020B0609000101010101" pitchFamily="49" charset="-127"/>
                 <a:ea typeface="돋움체" panose="020B0609000101010101" pitchFamily="49" charset="-127"/>
               </a:rPr>
@@ -7208,9 +6452,6 @@
                 <a:solidFill>
                   <a:srgbClr val="000000"/>
                 </a:solidFill>
-                <a:highlight>
-                  <a:srgbClr val="FFFFFF"/>
-                </a:highlight>
                 <a:latin typeface="돋움체" panose="020B0609000101010101" pitchFamily="49" charset="-127"/>
                 <a:ea typeface="돋움체" panose="020B0609000101010101" pitchFamily="49" charset="-127"/>
               </a:rPr>
@@ -7221,9 +6462,6 @@
                 <a:solidFill>
                   <a:srgbClr val="000000"/>
                 </a:solidFill>
-                <a:highlight>
-                  <a:srgbClr val="FFFFFF"/>
-                </a:highlight>
                 <a:latin typeface="돋움체" panose="020B0609000101010101" pitchFamily="49" charset="-127"/>
                 <a:ea typeface="돋움체" panose="020B0609000101010101" pitchFamily="49" charset="-127"/>
               </a:rPr>
@@ -7234,9 +6472,6 @@
                 <a:solidFill>
                   <a:srgbClr val="000000"/>
                 </a:solidFill>
-                <a:highlight>
-                  <a:srgbClr val="FFFFFF"/>
-                </a:highlight>
                 <a:latin typeface="돋움체" panose="020B0609000101010101" pitchFamily="49" charset="-127"/>
                 <a:ea typeface="돋움체" panose="020B0609000101010101" pitchFamily="49" charset="-127"/>
               </a:rPr>
@@ -7247,9 +6482,6 @@
                 <a:solidFill>
                   <a:srgbClr val="000000"/>
                 </a:solidFill>
-                <a:highlight>
-                  <a:srgbClr val="FFFFFF"/>
-                </a:highlight>
                 <a:latin typeface="돋움체" panose="020B0609000101010101" pitchFamily="49" charset="-127"/>
                 <a:ea typeface="돋움체" panose="020B0609000101010101" pitchFamily="49" charset="-127"/>
               </a:rPr>
@@ -7260,9 +6492,6 @@
                 <a:solidFill>
                   <a:srgbClr val="000000"/>
                 </a:solidFill>
-                <a:highlight>
-                  <a:srgbClr val="FFFFFF"/>
-                </a:highlight>
                 <a:latin typeface="돋움체" panose="020B0609000101010101" pitchFamily="49" charset="-127"/>
                 <a:ea typeface="돋움체" panose="020B0609000101010101" pitchFamily="49" charset="-127"/>
               </a:rPr>
@@ -7273,9 +6502,6 @@
                 <a:solidFill>
                   <a:srgbClr val="000000"/>
                 </a:solidFill>
-                <a:highlight>
-                  <a:srgbClr val="FFFFFF"/>
-                </a:highlight>
                 <a:latin typeface="돋움체" panose="020B0609000101010101" pitchFamily="49" charset="-127"/>
                 <a:ea typeface="돋움체" panose="020B0609000101010101" pitchFamily="49" charset="-127"/>
               </a:rPr>
@@ -7286,9 +6512,6 @@
                 <a:solidFill>
                   <a:srgbClr val="000000"/>
                 </a:solidFill>
-                <a:highlight>
-                  <a:srgbClr val="FFFFFF"/>
-                </a:highlight>
                 <a:latin typeface="돋움체" panose="020B0609000101010101" pitchFamily="49" charset="-127"/>
                 <a:ea typeface="돋움체" panose="020B0609000101010101" pitchFamily="49" charset="-127"/>
               </a:rPr>
@@ -7299,9 +6522,6 @@
                 <a:solidFill>
                   <a:srgbClr val="000000"/>
                 </a:solidFill>
-                <a:highlight>
-                  <a:srgbClr val="FFFFFF"/>
-                </a:highlight>
                 <a:latin typeface="돋움체" panose="020B0609000101010101" pitchFamily="49" charset="-127"/>
                 <a:ea typeface="돋움체" panose="020B0609000101010101" pitchFamily="49" charset="-127"/>
               </a:rPr>
@@ -7314,9 +6534,6 @@
                 <a:solidFill>
                   <a:srgbClr val="000000"/>
                 </a:solidFill>
-                <a:highlight>
-                  <a:srgbClr val="FFFFFF"/>
-                </a:highlight>
                 <a:latin typeface="돋움체" panose="020B0609000101010101" pitchFamily="49" charset="-127"/>
                 <a:ea typeface="돋움체" panose="020B0609000101010101" pitchFamily="49" charset="-127"/>
               </a:rPr>
@@ -7327,9 +6544,6 @@
                 <a:solidFill>
                   <a:srgbClr val="0000FF"/>
                 </a:solidFill>
-                <a:highlight>
-                  <a:srgbClr val="FFFFFF"/>
-                </a:highlight>
                 <a:latin typeface="돋움체" panose="020B0609000101010101" pitchFamily="49" charset="-127"/>
                 <a:ea typeface="돋움체" panose="020B0609000101010101" pitchFamily="49" charset="-127"/>
               </a:rPr>
@@ -7340,9 +6554,6 @@
                 <a:solidFill>
                   <a:srgbClr val="000000"/>
                 </a:solidFill>
-                <a:highlight>
-                  <a:srgbClr val="FFFFFF"/>
-                </a:highlight>
                 <a:latin typeface="돋움체" panose="020B0609000101010101" pitchFamily="49" charset="-127"/>
                 <a:ea typeface="돋움체" panose="020B0609000101010101" pitchFamily="49" charset="-127"/>
               </a:rPr>
@@ -7353,9 +6564,6 @@
                 <a:solidFill>
                   <a:srgbClr val="000000"/>
                 </a:solidFill>
-                <a:highlight>
-                  <a:srgbClr val="FFFFFF"/>
-                </a:highlight>
                 <a:latin typeface="돋움체" panose="020B0609000101010101" pitchFamily="49" charset="-127"/>
                 <a:ea typeface="돋움체" panose="020B0609000101010101" pitchFamily="49" charset="-127"/>
               </a:rPr>
@@ -7366,9 +6574,6 @@
                 <a:solidFill>
                   <a:srgbClr val="000000"/>
                 </a:solidFill>
-                <a:highlight>
-                  <a:srgbClr val="FFFFFF"/>
-                </a:highlight>
                 <a:latin typeface="돋움체" panose="020B0609000101010101" pitchFamily="49" charset="-127"/>
                 <a:ea typeface="돋움체" panose="020B0609000101010101" pitchFamily="49" charset="-127"/>
               </a:rPr>
@@ -7379,9 +6584,6 @@
                 <a:solidFill>
                   <a:srgbClr val="000000"/>
                 </a:solidFill>
-                <a:highlight>
-                  <a:srgbClr val="FFFFFF"/>
-                </a:highlight>
                 <a:latin typeface="돋움체" panose="020B0609000101010101" pitchFamily="49" charset="-127"/>
                 <a:ea typeface="돋움체" panose="020B0609000101010101" pitchFamily="49" charset="-127"/>
               </a:rPr>
@@ -7392,9 +6594,6 @@
                 <a:solidFill>
                   <a:srgbClr val="000000"/>
                 </a:solidFill>
-                <a:highlight>
-                  <a:srgbClr val="FFFFFF"/>
-                </a:highlight>
                 <a:latin typeface="돋움체" panose="020B0609000101010101" pitchFamily="49" charset="-127"/>
                 <a:ea typeface="돋움체" panose="020B0609000101010101" pitchFamily="49" charset="-127"/>
               </a:rPr>
@@ -7405,9 +6604,6 @@
                 <a:solidFill>
                   <a:srgbClr val="000000"/>
                 </a:solidFill>
-                <a:highlight>
-                  <a:srgbClr val="FFFFFF"/>
-                </a:highlight>
                 <a:latin typeface="돋움체" panose="020B0609000101010101" pitchFamily="49" charset="-127"/>
                 <a:ea typeface="돋움체" panose="020B0609000101010101" pitchFamily="49" charset="-127"/>
               </a:rPr>
@@ -7418,9 +6614,6 @@
                 <a:solidFill>
                   <a:srgbClr val="000000"/>
                 </a:solidFill>
-                <a:highlight>
-                  <a:srgbClr val="FFFFFF"/>
-                </a:highlight>
                 <a:latin typeface="돋움체" panose="020B0609000101010101" pitchFamily="49" charset="-127"/>
                 <a:ea typeface="돋움체" panose="020B0609000101010101" pitchFamily="49" charset="-127"/>
               </a:rPr>
@@ -7431,9 +6624,6 @@
                 <a:solidFill>
                   <a:srgbClr val="000000"/>
                 </a:solidFill>
-                <a:highlight>
-                  <a:srgbClr val="FFFFFF"/>
-                </a:highlight>
                 <a:latin typeface="돋움체" panose="020B0609000101010101" pitchFamily="49" charset="-127"/>
                 <a:ea typeface="돋움체" panose="020B0609000101010101" pitchFamily="49" charset="-127"/>
               </a:rPr>
@@ -7444,9 +6634,6 @@
                 <a:solidFill>
                   <a:srgbClr val="000000"/>
                 </a:solidFill>
-                <a:highlight>
-                  <a:srgbClr val="FFFFFF"/>
-                </a:highlight>
                 <a:latin typeface="돋움체" panose="020B0609000101010101" pitchFamily="49" charset="-127"/>
                 <a:ea typeface="돋움체" panose="020B0609000101010101" pitchFamily="49" charset="-127"/>
               </a:rPr>
@@ -7459,9 +6646,6 @@
                 <a:solidFill>
                   <a:srgbClr val="000000"/>
                 </a:solidFill>
-                <a:highlight>
-                  <a:srgbClr val="FFFFFF"/>
-                </a:highlight>
                 <a:latin typeface="돋움체" panose="020B0609000101010101" pitchFamily="49" charset="-127"/>
                 <a:ea typeface="돋움체" panose="020B0609000101010101" pitchFamily="49" charset="-127"/>
               </a:rPr>
@@ -7472,9 +6656,6 @@
                 <a:solidFill>
                   <a:srgbClr val="000000"/>
                 </a:solidFill>
-                <a:highlight>
-                  <a:srgbClr val="FFFFFF"/>
-                </a:highlight>
                 <a:latin typeface="돋움체" panose="020B0609000101010101" pitchFamily="49" charset="-127"/>
                 <a:ea typeface="돋움체" panose="020B0609000101010101" pitchFamily="49" charset="-127"/>
               </a:rPr>
@@ -7485,9 +6666,6 @@
                 <a:solidFill>
                   <a:srgbClr val="000000"/>
                 </a:solidFill>
-                <a:highlight>
-                  <a:srgbClr val="FFFFFF"/>
-                </a:highlight>
                 <a:latin typeface="돋움체" panose="020B0609000101010101" pitchFamily="49" charset="-127"/>
                 <a:ea typeface="돋움체" panose="020B0609000101010101" pitchFamily="49" charset="-127"/>
               </a:rPr>
@@ -7498,9 +6676,6 @@
                 <a:solidFill>
                   <a:srgbClr val="000000"/>
                 </a:solidFill>
-                <a:highlight>
-                  <a:srgbClr val="FFFFFF"/>
-                </a:highlight>
                 <a:latin typeface="돋움체" panose="020B0609000101010101" pitchFamily="49" charset="-127"/>
                 <a:ea typeface="돋움체" panose="020B0609000101010101" pitchFamily="49" charset="-127"/>
               </a:rPr>
@@ -7511,9 +6686,6 @@
                 <a:solidFill>
                   <a:srgbClr val="000000"/>
                 </a:solidFill>
-                <a:highlight>
-                  <a:srgbClr val="FFFFFF"/>
-                </a:highlight>
                 <a:latin typeface="돋움체" panose="020B0609000101010101" pitchFamily="49" charset="-127"/>
                 <a:ea typeface="돋움체" panose="020B0609000101010101" pitchFamily="49" charset="-127"/>
               </a:rPr>
@@ -7524,9 +6696,6 @@
                 <a:solidFill>
                   <a:srgbClr val="000000"/>
                 </a:solidFill>
-                <a:highlight>
-                  <a:srgbClr val="FFFFFF"/>
-                </a:highlight>
                 <a:latin typeface="돋움체" panose="020B0609000101010101" pitchFamily="49" charset="-127"/>
                 <a:ea typeface="돋움체" panose="020B0609000101010101" pitchFamily="49" charset="-127"/>
               </a:rPr>
@@ -7537,9 +6706,6 @@
                 <a:solidFill>
                   <a:srgbClr val="000000"/>
                 </a:solidFill>
-                <a:highlight>
-                  <a:srgbClr val="FFFFFF"/>
-                </a:highlight>
                 <a:latin typeface="돋움체" panose="020B0609000101010101" pitchFamily="49" charset="-127"/>
                 <a:ea typeface="돋움체" panose="020B0609000101010101" pitchFamily="49" charset="-127"/>
               </a:rPr>
@@ -7550,9 +6716,6 @@
                 <a:solidFill>
                   <a:srgbClr val="2B91AF"/>
                 </a:solidFill>
-                <a:highlight>
-                  <a:srgbClr val="FFFFFF"/>
-                </a:highlight>
                 <a:latin typeface="돋움체" panose="020B0609000101010101" pitchFamily="49" charset="-127"/>
                 <a:ea typeface="돋움체" panose="020B0609000101010101" pitchFamily="49" charset="-127"/>
               </a:rPr>
@@ -7563,9 +6726,6 @@
                 <a:solidFill>
                   <a:srgbClr val="000000"/>
                 </a:solidFill>
-                <a:highlight>
-                  <a:srgbClr val="FFFFFF"/>
-                </a:highlight>
                 <a:latin typeface="돋움체" panose="020B0609000101010101" pitchFamily="49" charset="-127"/>
                 <a:ea typeface="돋움체" panose="020B0609000101010101" pitchFamily="49" charset="-127"/>
               </a:rPr>
@@ -7576,9 +6736,6 @@
                 <a:solidFill>
                   <a:srgbClr val="000000"/>
                 </a:solidFill>
-                <a:highlight>
-                  <a:srgbClr val="FFFFFF"/>
-                </a:highlight>
                 <a:latin typeface="돋움체" panose="020B0609000101010101" pitchFamily="49" charset="-127"/>
                 <a:ea typeface="돋움체" panose="020B0609000101010101" pitchFamily="49" charset="-127"/>
               </a:rPr>
@@ -7589,9 +6746,6 @@
                 <a:solidFill>
                   <a:srgbClr val="000000"/>
                 </a:solidFill>
-                <a:highlight>
-                  <a:srgbClr val="FFFFFF"/>
-                </a:highlight>
                 <a:latin typeface="돋움체" panose="020B0609000101010101" pitchFamily="49" charset="-127"/>
                 <a:ea typeface="돋움체" panose="020B0609000101010101" pitchFamily="49" charset="-127"/>
               </a:rPr>
@@ -7602,9 +6756,6 @@
                 <a:solidFill>
                   <a:srgbClr val="000000"/>
                 </a:solidFill>
-                <a:highlight>
-                  <a:srgbClr val="FFFFFF"/>
-                </a:highlight>
                 <a:latin typeface="돋움체" panose="020B0609000101010101" pitchFamily="49" charset="-127"/>
                 <a:ea typeface="돋움체" panose="020B0609000101010101" pitchFamily="49" charset="-127"/>
               </a:rPr>
@@ -7617,9 +6768,6 @@
                 <a:solidFill>
                   <a:srgbClr val="000000"/>
                 </a:solidFill>
-                <a:highlight>
-                  <a:srgbClr val="FFFFFF"/>
-                </a:highlight>
                 <a:latin typeface="돋움체" panose="020B0609000101010101" pitchFamily="49" charset="-127"/>
                 <a:ea typeface="돋움체" panose="020B0609000101010101" pitchFamily="49" charset="-127"/>
               </a:rPr>
@@ -7630,9 +6778,6 @@
                 <a:solidFill>
                   <a:srgbClr val="000000"/>
                 </a:solidFill>
-                <a:highlight>
-                  <a:srgbClr val="FFFFFF"/>
-                </a:highlight>
                 <a:latin typeface="돋움체" panose="020B0609000101010101" pitchFamily="49" charset="-127"/>
                 <a:ea typeface="돋움체" panose="020B0609000101010101" pitchFamily="49" charset="-127"/>
               </a:rPr>
@@ -7645,9 +6790,6 @@
                 <a:solidFill>
                   <a:srgbClr val="000000"/>
                 </a:solidFill>
-                <a:highlight>
-                  <a:srgbClr val="FFFFFF"/>
-                </a:highlight>
                 <a:latin typeface="돋움체" panose="020B0609000101010101" pitchFamily="49" charset="-127"/>
                 <a:ea typeface="돋움체" panose="020B0609000101010101" pitchFamily="49" charset="-127"/>
               </a:rPr>
@@ -7658,9 +6800,6 @@
                 <a:solidFill>
                   <a:srgbClr val="0000FF"/>
                 </a:solidFill>
-                <a:highlight>
-                  <a:srgbClr val="FFFFFF"/>
-                </a:highlight>
                 <a:latin typeface="돋움체" panose="020B0609000101010101" pitchFamily="49" charset="-127"/>
                 <a:ea typeface="돋움체" panose="020B0609000101010101" pitchFamily="49" charset="-127"/>
               </a:rPr>
@@ -7671,9 +6810,6 @@
                 <a:solidFill>
                   <a:srgbClr val="000000"/>
                 </a:solidFill>
-                <a:highlight>
-                  <a:srgbClr val="FFFFFF"/>
-                </a:highlight>
                 <a:latin typeface="돋움체" panose="020B0609000101010101" pitchFamily="49" charset="-127"/>
                 <a:ea typeface="돋움체" panose="020B0609000101010101" pitchFamily="49" charset="-127"/>
               </a:rPr>
@@ -7684,9 +6820,6 @@
                 <a:solidFill>
                   <a:srgbClr val="000000"/>
                 </a:solidFill>
-                <a:highlight>
-                  <a:srgbClr val="FFFFFF"/>
-                </a:highlight>
                 <a:latin typeface="돋움체" panose="020B0609000101010101" pitchFamily="49" charset="-127"/>
                 <a:ea typeface="돋움체" panose="020B0609000101010101" pitchFamily="49" charset="-127"/>
               </a:rPr>
@@ -7697,9 +6830,6 @@
                 <a:solidFill>
                   <a:srgbClr val="000000"/>
                 </a:solidFill>
-                <a:highlight>
-                  <a:srgbClr val="FFFFFF"/>
-                </a:highlight>
                 <a:latin typeface="돋움체" panose="020B0609000101010101" pitchFamily="49" charset="-127"/>
                 <a:ea typeface="돋움체" panose="020B0609000101010101" pitchFamily="49" charset="-127"/>
               </a:rPr>
@@ -7710,9 +6840,6 @@
                 <a:solidFill>
                   <a:srgbClr val="000000"/>
                 </a:solidFill>
-                <a:highlight>
-                  <a:srgbClr val="FFFFFF"/>
-                </a:highlight>
                 <a:latin typeface="돋움체" panose="020B0609000101010101" pitchFamily="49" charset="-127"/>
                 <a:ea typeface="돋움체" panose="020B0609000101010101" pitchFamily="49" charset="-127"/>
               </a:rPr>
@@ -7723,9 +6850,6 @@
                 <a:solidFill>
                   <a:srgbClr val="000000"/>
                 </a:solidFill>
-                <a:highlight>
-                  <a:srgbClr val="FFFFFF"/>
-                </a:highlight>
                 <a:latin typeface="돋움체" panose="020B0609000101010101" pitchFamily="49" charset="-127"/>
                 <a:ea typeface="돋움체" panose="020B0609000101010101" pitchFamily="49" charset="-127"/>
               </a:rPr>
@@ -7738,9 +6862,6 @@
                 <a:solidFill>
                   <a:srgbClr val="000000"/>
                 </a:solidFill>
-                <a:highlight>
-                  <a:srgbClr val="FFFFFF"/>
-                </a:highlight>
                 <a:latin typeface="돋움체" panose="020B0609000101010101" pitchFamily="49" charset="-127"/>
                 <a:ea typeface="돋움체" panose="020B0609000101010101" pitchFamily="49" charset="-127"/>
               </a:rPr>
@@ -7751,9 +6872,6 @@
                 <a:solidFill>
                   <a:srgbClr val="000000"/>
                 </a:solidFill>
-                <a:highlight>
-                  <a:srgbClr val="FFFFFF"/>
-                </a:highlight>
                 <a:latin typeface="돋움체" panose="020B0609000101010101" pitchFamily="49" charset="-127"/>
                 <a:ea typeface="돋움체" panose="020B0609000101010101" pitchFamily="49" charset="-127"/>
               </a:rPr>
@@ -7766,9 +6884,6 @@
                 <a:solidFill>
                   <a:srgbClr val="000000"/>
                 </a:solidFill>
-                <a:highlight>
-                  <a:srgbClr val="FFFFFF"/>
-                </a:highlight>
                 <a:latin typeface="돋움체" panose="020B0609000101010101" pitchFamily="49" charset="-127"/>
                 <a:ea typeface="돋움체" panose="020B0609000101010101" pitchFamily="49" charset="-127"/>
               </a:rPr>
@@ -7779,9 +6894,6 @@
                 <a:solidFill>
                   <a:srgbClr val="000000"/>
                 </a:solidFill>
-                <a:highlight>
-                  <a:srgbClr val="FFFFFF"/>
-                </a:highlight>
                 <a:latin typeface="돋움체" panose="020B0609000101010101" pitchFamily="49" charset="-127"/>
                 <a:ea typeface="돋움체" panose="020B0609000101010101" pitchFamily="49" charset="-127"/>
               </a:rPr>
@@ -7792,9 +6904,6 @@
                 <a:solidFill>
                   <a:srgbClr val="000000"/>
                 </a:solidFill>
-                <a:highlight>
-                  <a:srgbClr val="FFFFFF"/>
-                </a:highlight>
                 <a:latin typeface="돋움체" panose="020B0609000101010101" pitchFamily="49" charset="-127"/>
                 <a:ea typeface="돋움체" panose="020B0609000101010101" pitchFamily="49" charset="-127"/>
               </a:rPr>
@@ -7807,9 +6916,6 @@
                 <a:solidFill>
                   <a:srgbClr val="000000"/>
                 </a:solidFill>
-                <a:highlight>
-                  <a:srgbClr val="FFFFFF"/>
-                </a:highlight>
                 <a:latin typeface="돋움체" panose="020B0609000101010101" pitchFamily="49" charset="-127"/>
                 <a:ea typeface="돋움체" panose="020B0609000101010101" pitchFamily="49" charset="-127"/>
               </a:rPr>
@@ -7820,9 +6926,6 @@
                 <a:solidFill>
                   <a:srgbClr val="0000FF"/>
                 </a:solidFill>
-                <a:highlight>
-                  <a:srgbClr val="FFFFFF"/>
-                </a:highlight>
                 <a:latin typeface="돋움체" panose="020B0609000101010101" pitchFamily="49" charset="-127"/>
                 <a:ea typeface="돋움체" panose="020B0609000101010101" pitchFamily="49" charset="-127"/>
               </a:rPr>
@@ -7833,9 +6936,6 @@
                 <a:solidFill>
                   <a:srgbClr val="000000"/>
                 </a:solidFill>
-                <a:highlight>
-                  <a:srgbClr val="FFFFFF"/>
-                </a:highlight>
                 <a:latin typeface="돋움체" panose="020B0609000101010101" pitchFamily="49" charset="-127"/>
                 <a:ea typeface="돋움체" panose="020B0609000101010101" pitchFamily="49" charset="-127"/>
               </a:rPr>
@@ -7846,9 +6946,6 @@
                 <a:solidFill>
                   <a:srgbClr val="0000FF"/>
                 </a:solidFill>
-                <a:highlight>
-                  <a:srgbClr val="FFFFFF"/>
-                </a:highlight>
                 <a:latin typeface="돋움체" panose="020B0609000101010101" pitchFamily="49" charset="-127"/>
                 <a:ea typeface="돋움체" panose="020B0609000101010101" pitchFamily="49" charset="-127"/>
               </a:rPr>
@@ -7859,9 +6956,6 @@
                 <a:solidFill>
                   <a:srgbClr val="000000"/>
                 </a:solidFill>
-                <a:highlight>
-                  <a:srgbClr val="FFFFFF"/>
-                </a:highlight>
                 <a:latin typeface="돋움체" panose="020B0609000101010101" pitchFamily="49" charset="-127"/>
                 <a:ea typeface="돋움체" panose="020B0609000101010101" pitchFamily="49" charset="-127"/>
               </a:rPr>
@@ -7874,9 +6968,6 @@
                 <a:solidFill>
                   <a:srgbClr val="000000"/>
                 </a:solidFill>
-                <a:highlight>
-                  <a:srgbClr val="FFFFFF"/>
-                </a:highlight>
                 <a:latin typeface="돋움체" panose="020B0609000101010101" pitchFamily="49" charset="-127"/>
                 <a:ea typeface="돋움체" panose="020B0609000101010101" pitchFamily="49" charset="-127"/>
               </a:rPr>
@@ -7887,9 +6978,6 @@
                 <a:solidFill>
                   <a:srgbClr val="000000"/>
                 </a:solidFill>
-                <a:highlight>
-                  <a:srgbClr val="FFFFFF"/>
-                </a:highlight>
                 <a:latin typeface="돋움체" panose="020B0609000101010101" pitchFamily="49" charset="-127"/>
                 <a:ea typeface="돋움체" panose="020B0609000101010101" pitchFamily="49" charset="-127"/>
               </a:rPr>
@@ -7902,9 +6990,6 @@
                 <a:solidFill>
                   <a:srgbClr val="000000"/>
                 </a:solidFill>
-                <a:highlight>
-                  <a:srgbClr val="FFFFFF"/>
-                </a:highlight>
                 <a:latin typeface="돋움체" panose="020B0609000101010101" pitchFamily="49" charset="-127"/>
                 <a:ea typeface="돋움체" panose="020B0609000101010101" pitchFamily="49" charset="-127"/>
               </a:rPr>
@@ -7915,9 +7000,6 @@
                 <a:solidFill>
                   <a:srgbClr val="000000"/>
                 </a:solidFill>
-                <a:highlight>
-                  <a:srgbClr val="FFFFFF"/>
-                </a:highlight>
                 <a:latin typeface="돋움체" panose="020B0609000101010101" pitchFamily="49" charset="-127"/>
                 <a:ea typeface="돋움체" panose="020B0609000101010101" pitchFamily="49" charset="-127"/>
               </a:rPr>
@@ -7928,9 +7010,6 @@
                 <a:solidFill>
                   <a:srgbClr val="000000"/>
                 </a:solidFill>
-                <a:highlight>
-                  <a:srgbClr val="FFFFFF"/>
-                </a:highlight>
                 <a:latin typeface="돋움체" panose="020B0609000101010101" pitchFamily="49" charset="-127"/>
                 <a:ea typeface="돋움체" panose="020B0609000101010101" pitchFamily="49" charset="-127"/>
               </a:rPr>
@@ -7941,9 +7020,6 @@
                 <a:solidFill>
                   <a:srgbClr val="000000"/>
                 </a:solidFill>
-                <a:highlight>
-                  <a:srgbClr val="FFFFFF"/>
-                </a:highlight>
                 <a:latin typeface="돋움체" panose="020B0609000101010101" pitchFamily="49" charset="-127"/>
                 <a:ea typeface="돋움체" panose="020B0609000101010101" pitchFamily="49" charset="-127"/>
               </a:rPr>
@@ -7954,9 +7030,6 @@
                 <a:solidFill>
                   <a:srgbClr val="000000"/>
                 </a:solidFill>
-                <a:highlight>
-                  <a:srgbClr val="FFFFFF"/>
-                </a:highlight>
                 <a:latin typeface="돋움체" panose="020B0609000101010101" pitchFamily="49" charset="-127"/>
                 <a:ea typeface="돋움체" panose="020B0609000101010101" pitchFamily="49" charset="-127"/>
               </a:rPr>
@@ -7967,9 +7040,6 @@
                 <a:solidFill>
                   <a:srgbClr val="000000"/>
                 </a:solidFill>
-                <a:highlight>
-                  <a:srgbClr val="FFFFFF"/>
-                </a:highlight>
                 <a:latin typeface="돋움체" panose="020B0609000101010101" pitchFamily="49" charset="-127"/>
                 <a:ea typeface="돋움체" panose="020B0609000101010101" pitchFamily="49" charset="-127"/>
               </a:rPr>
@@ -7980,9 +7050,6 @@
                 <a:solidFill>
                   <a:srgbClr val="000000"/>
                 </a:solidFill>
-                <a:highlight>
-                  <a:srgbClr val="FFFFFF"/>
-                </a:highlight>
                 <a:latin typeface="돋움체" panose="020B0609000101010101" pitchFamily="49" charset="-127"/>
                 <a:ea typeface="돋움체" panose="020B0609000101010101" pitchFamily="49" charset="-127"/>
               </a:rPr>
@@ -7993,9 +7060,6 @@
                 <a:solidFill>
                   <a:srgbClr val="2B91AF"/>
                 </a:solidFill>
-                <a:highlight>
-                  <a:srgbClr val="FFFFFF"/>
-                </a:highlight>
                 <a:latin typeface="돋움체" panose="020B0609000101010101" pitchFamily="49" charset="-127"/>
                 <a:ea typeface="돋움체" panose="020B0609000101010101" pitchFamily="49" charset="-127"/>
               </a:rPr>
@@ -8006,9 +7070,6 @@
                 <a:solidFill>
                   <a:srgbClr val="000000"/>
                 </a:solidFill>
-                <a:highlight>
-                  <a:srgbClr val="FFFFFF"/>
-                </a:highlight>
                 <a:latin typeface="돋움체" panose="020B0609000101010101" pitchFamily="49" charset="-127"/>
                 <a:ea typeface="돋움체" panose="020B0609000101010101" pitchFamily="49" charset="-127"/>
               </a:rPr>
@@ -8019,9 +7080,6 @@
                 <a:solidFill>
                   <a:srgbClr val="000000"/>
                 </a:solidFill>
-                <a:highlight>
-                  <a:srgbClr val="FFFFFF"/>
-                </a:highlight>
                 <a:latin typeface="돋움체" panose="020B0609000101010101" pitchFamily="49" charset="-127"/>
                 <a:ea typeface="돋움체" panose="020B0609000101010101" pitchFamily="49" charset="-127"/>
               </a:rPr>
@@ -8032,9 +7090,6 @@
                 <a:solidFill>
                   <a:srgbClr val="000000"/>
                 </a:solidFill>
-                <a:highlight>
-                  <a:srgbClr val="FFFFFF"/>
-                </a:highlight>
                 <a:latin typeface="돋움체" panose="020B0609000101010101" pitchFamily="49" charset="-127"/>
                 <a:ea typeface="돋움체" panose="020B0609000101010101" pitchFamily="49" charset="-127"/>
               </a:rPr>
@@ -8047,9 +7102,6 @@
                 <a:solidFill>
                   <a:srgbClr val="000000"/>
                 </a:solidFill>
-                <a:highlight>
-                  <a:srgbClr val="FFFFFF"/>
-                </a:highlight>
                 <a:latin typeface="돋움체" panose="020B0609000101010101" pitchFamily="49" charset="-127"/>
                 <a:ea typeface="돋움체" panose="020B0609000101010101" pitchFamily="49" charset="-127"/>
               </a:rPr>
@@ -8060,9 +7112,6 @@
                 <a:solidFill>
                   <a:srgbClr val="000000"/>
                 </a:solidFill>
-                <a:highlight>
-                  <a:srgbClr val="FFFFFF"/>
-                </a:highlight>
                 <a:latin typeface="돋움체" panose="020B0609000101010101" pitchFamily="49" charset="-127"/>
                 <a:ea typeface="돋움체" panose="020B0609000101010101" pitchFamily="49" charset="-127"/>
               </a:rPr>
@@ -8073,9 +7122,6 @@
                 <a:solidFill>
                   <a:srgbClr val="000000"/>
                 </a:solidFill>
-                <a:highlight>
-                  <a:srgbClr val="FFFFFF"/>
-                </a:highlight>
                 <a:latin typeface="돋움체" panose="020B0609000101010101" pitchFamily="49" charset="-127"/>
                 <a:ea typeface="돋움체" panose="020B0609000101010101" pitchFamily="49" charset="-127"/>
               </a:rPr>
@@ -8086,9 +7132,6 @@
                 <a:solidFill>
                   <a:srgbClr val="000000"/>
                 </a:solidFill>
-                <a:highlight>
-                  <a:srgbClr val="FFFFFF"/>
-                </a:highlight>
                 <a:latin typeface="돋움체" panose="020B0609000101010101" pitchFamily="49" charset="-127"/>
                 <a:ea typeface="돋움체" panose="020B0609000101010101" pitchFamily="49" charset="-127"/>
               </a:rPr>
@@ -8099,9 +7142,6 @@
                 <a:solidFill>
                   <a:srgbClr val="000000"/>
                 </a:solidFill>
-                <a:highlight>
-                  <a:srgbClr val="FFFFFF"/>
-                </a:highlight>
                 <a:latin typeface="돋움체" panose="020B0609000101010101" pitchFamily="49" charset="-127"/>
                 <a:ea typeface="돋움체" panose="020B0609000101010101" pitchFamily="49" charset="-127"/>
               </a:rPr>
@@ -8112,9 +7152,6 @@
                 <a:solidFill>
                   <a:srgbClr val="000000"/>
                 </a:solidFill>
-                <a:highlight>
-                  <a:srgbClr val="FFFFFF"/>
-                </a:highlight>
                 <a:latin typeface="돋움체" panose="020B0609000101010101" pitchFamily="49" charset="-127"/>
                 <a:ea typeface="돋움체" panose="020B0609000101010101" pitchFamily="49" charset="-127"/>
               </a:rPr>
@@ -8125,9 +7162,6 @@
                 <a:solidFill>
                   <a:srgbClr val="000000"/>
                 </a:solidFill>
-                <a:highlight>
-                  <a:srgbClr val="FFFFFF"/>
-                </a:highlight>
                 <a:latin typeface="돋움체" panose="020B0609000101010101" pitchFamily="49" charset="-127"/>
                 <a:ea typeface="돋움체" panose="020B0609000101010101" pitchFamily="49" charset="-127"/>
               </a:rPr>
@@ -8138,9 +7172,6 @@
                 <a:solidFill>
                   <a:srgbClr val="2B91AF"/>
                 </a:solidFill>
-                <a:highlight>
-                  <a:srgbClr val="FFFFFF"/>
-                </a:highlight>
                 <a:latin typeface="돋움체" panose="020B0609000101010101" pitchFamily="49" charset="-127"/>
                 <a:ea typeface="돋움체" panose="020B0609000101010101" pitchFamily="49" charset="-127"/>
               </a:rPr>
@@ -8151,9 +7182,6 @@
                 <a:solidFill>
                   <a:srgbClr val="000000"/>
                 </a:solidFill>
-                <a:highlight>
-                  <a:srgbClr val="FFFFFF"/>
-                </a:highlight>
                 <a:latin typeface="돋움체" panose="020B0609000101010101" pitchFamily="49" charset="-127"/>
                 <a:ea typeface="돋움체" panose="020B0609000101010101" pitchFamily="49" charset="-127"/>
               </a:rPr>
@@ -8164,9 +7192,6 @@
                 <a:solidFill>
                   <a:srgbClr val="000000"/>
                 </a:solidFill>
-                <a:highlight>
-                  <a:srgbClr val="FFFFFF"/>
-                </a:highlight>
                 <a:latin typeface="돋움체" panose="020B0609000101010101" pitchFamily="49" charset="-127"/>
                 <a:ea typeface="돋움체" panose="020B0609000101010101" pitchFamily="49" charset="-127"/>
               </a:rPr>
@@ -8177,9 +7202,6 @@
                 <a:solidFill>
                   <a:srgbClr val="000000"/>
                 </a:solidFill>
-                <a:highlight>
-                  <a:srgbClr val="FFFFFF"/>
-                </a:highlight>
                 <a:latin typeface="돋움체" panose="020B0609000101010101" pitchFamily="49" charset="-127"/>
                 <a:ea typeface="돋움체" panose="020B0609000101010101" pitchFamily="49" charset="-127"/>
               </a:rPr>
@@ -8190,9 +7212,6 @@
                 <a:solidFill>
                   <a:srgbClr val="2B91AF"/>
                 </a:solidFill>
-                <a:highlight>
-                  <a:srgbClr val="FFFFFF"/>
-                </a:highlight>
                 <a:latin typeface="돋움체" panose="020B0609000101010101" pitchFamily="49" charset="-127"/>
                 <a:ea typeface="돋움체" panose="020B0609000101010101" pitchFamily="49" charset="-127"/>
               </a:rPr>
@@ -8203,9 +7222,6 @@
                 <a:solidFill>
                   <a:srgbClr val="000000"/>
                 </a:solidFill>
-                <a:highlight>
-                  <a:srgbClr val="FFFFFF"/>
-                </a:highlight>
                 <a:latin typeface="돋움체" panose="020B0609000101010101" pitchFamily="49" charset="-127"/>
                 <a:ea typeface="돋움체" panose="020B0609000101010101" pitchFamily="49" charset="-127"/>
               </a:rPr>
@@ -8216,9 +7232,6 @@
                 <a:solidFill>
                   <a:srgbClr val="2B91AF"/>
                 </a:solidFill>
-                <a:highlight>
-                  <a:srgbClr val="FFFFFF"/>
-                </a:highlight>
                 <a:latin typeface="돋움체" panose="020B0609000101010101" pitchFamily="49" charset="-127"/>
                 <a:ea typeface="돋움체" panose="020B0609000101010101" pitchFamily="49" charset="-127"/>
               </a:rPr>
@@ -8229,9 +7242,6 @@
                 <a:solidFill>
                   <a:srgbClr val="000000"/>
                 </a:solidFill>
-                <a:highlight>
-                  <a:srgbClr val="FFFFFF"/>
-                </a:highlight>
                 <a:latin typeface="돋움체" panose="020B0609000101010101" pitchFamily="49" charset="-127"/>
                 <a:ea typeface="돋움체" panose="020B0609000101010101" pitchFamily="49" charset="-127"/>
               </a:rPr>
@@ -8242,9 +7252,6 @@
                 <a:solidFill>
                   <a:srgbClr val="000000"/>
                 </a:solidFill>
-                <a:highlight>
-                  <a:srgbClr val="FFFFFF"/>
-                </a:highlight>
                 <a:latin typeface="돋움체" panose="020B0609000101010101" pitchFamily="49" charset="-127"/>
                 <a:ea typeface="돋움체" panose="020B0609000101010101" pitchFamily="49" charset="-127"/>
               </a:rPr>
@@ -8257,9 +7264,6 @@
                 <a:solidFill>
                   <a:srgbClr val="000000"/>
                 </a:solidFill>
-                <a:highlight>
-                  <a:srgbClr val="FFFFFF"/>
-                </a:highlight>
                 <a:latin typeface="돋움체" panose="020B0609000101010101" pitchFamily="49" charset="-127"/>
                 <a:ea typeface="돋움체" panose="020B0609000101010101" pitchFamily="49" charset="-127"/>
               </a:rPr>
@@ -8270,9 +7274,6 @@
                 <a:solidFill>
                   <a:srgbClr val="000000"/>
                 </a:solidFill>
-                <a:highlight>
-                  <a:srgbClr val="FFFFFF"/>
-                </a:highlight>
                 <a:latin typeface="돋움체" panose="020B0609000101010101" pitchFamily="49" charset="-127"/>
                 <a:ea typeface="돋움체" panose="020B0609000101010101" pitchFamily="49" charset="-127"/>
               </a:rPr>
@@ -8285,9 +7286,6 @@
                 <a:solidFill>
                   <a:srgbClr val="000000"/>
                 </a:solidFill>
-                <a:highlight>
-                  <a:srgbClr val="FFFFFF"/>
-                </a:highlight>
                 <a:latin typeface="돋움체" panose="020B0609000101010101" pitchFamily="49" charset="-127"/>
                 <a:ea typeface="돋움체" panose="020B0609000101010101" pitchFamily="49" charset="-127"/>
               </a:rPr>
@@ -8298,9 +7296,6 @@
                 <a:solidFill>
                   <a:srgbClr val="000000"/>
                 </a:solidFill>
-                <a:highlight>
-                  <a:srgbClr val="FFFFFF"/>
-                </a:highlight>
                 <a:latin typeface="돋움체" panose="020B0609000101010101" pitchFamily="49" charset="-127"/>
                 <a:ea typeface="돋움체" panose="020B0609000101010101" pitchFamily="49" charset="-127"/>
               </a:rPr>
@@ -8313,9 +7308,6 @@
                 <a:solidFill>
                   <a:srgbClr val="000000"/>
                 </a:solidFill>
-                <a:highlight>
-                  <a:srgbClr val="FFFFFF"/>
-                </a:highlight>
                 <a:latin typeface="돋움체" panose="020B0609000101010101" pitchFamily="49" charset="-127"/>
                 <a:ea typeface="돋움체" panose="020B0609000101010101" pitchFamily="49" charset="-127"/>
               </a:rPr>
@@ -8326,9 +7318,6 @@
                 <a:solidFill>
                   <a:srgbClr val="000000"/>
                 </a:solidFill>
-                <a:highlight>
-                  <a:srgbClr val="FFFFFF"/>
-                </a:highlight>
                 <a:latin typeface="돋움체" panose="020B0609000101010101" pitchFamily="49" charset="-127"/>
                 <a:ea typeface="돋움체" panose="020B0609000101010101" pitchFamily="49" charset="-127"/>
               </a:rPr>
@@ -8341,9 +7330,6 @@
                 <a:solidFill>
                   <a:srgbClr val="000000"/>
                 </a:solidFill>
-                <a:highlight>
-                  <a:srgbClr val="FFFFFF"/>
-                </a:highlight>
                 <a:latin typeface="돋움체" panose="020B0609000101010101" pitchFamily="49" charset="-127"/>
                 <a:ea typeface="돋움체" panose="020B0609000101010101" pitchFamily="49" charset="-127"/>
               </a:rPr>
